--- a/ppt/06-00557019-00557006-戰車模擬器-期末報告.pptx
+++ b/ppt/06-00557019-00557006-戰車模擬器-期末報告.pptx
@@ -303,7 +303,7 @@
           </a:lstStyle>
           <a:p>
             <a:r>
-              <a:rPr lang="zh-TW" altLang="en-US" smtClean="0"/>
+              <a:rPr lang="zh-TW" altLang="en-US"/>
               <a:t>按一下以編輯母片標題樣式</a:t>
             </a:r>
             <a:endParaRPr lang="en-US" dirty="0"/>
@@ -422,7 +422,7 @@
           </a:lstStyle>
           <a:p>
             <a:r>
-              <a:rPr lang="zh-TW" altLang="en-US" smtClean="0"/>
+              <a:rPr lang="zh-TW" altLang="en-US"/>
               <a:t>按一下以編輯母片副標題樣式</a:t>
             </a:r>
             <a:endParaRPr lang="en-US" dirty="0"/>
@@ -451,7 +451,7 @@
           <a:p>
             <a:fld id="{EB8C0491-3092-4ADB-83E9-5E4447201080}" type="datetimeFigureOut">
               <a:rPr lang="zh-TW" altLang="en-US" smtClean="0"/>
-              <a:t>2018/6/29</a:t>
+              <a:t>2019/9/11</a:t>
             </a:fld>
             <a:endParaRPr lang="zh-TW" altLang="en-US"/>
           </a:p>
@@ -596,7 +596,7 @@
           </a:lstStyle>
           <a:p>
             <a:r>
-              <a:rPr lang="zh-TW" altLang="en-US" smtClean="0"/>
+              <a:rPr lang="zh-TW" altLang="en-US"/>
               <a:t>按一下以編輯母片標題樣式</a:t>
             </a:r>
             <a:endParaRPr lang="en-US" dirty="0"/>
@@ -684,7 +684,7 @@
           </a:lstStyle>
           <a:p>
             <a:r>
-              <a:rPr lang="zh-TW" altLang="en-US" smtClean="0"/>
+              <a:rPr lang="zh-TW" altLang="en-US"/>
               <a:t>按一下圖示以新增圖片</a:t>
             </a:r>
             <a:endParaRPr lang="en-US" dirty="0"/>
@@ -752,7 +752,7 @@
           <a:p>
             <a:pPr lvl="0"/>
             <a:r>
-              <a:rPr lang="zh-TW" altLang="en-US" smtClean="0"/>
+              <a:rPr lang="zh-TW" altLang="en-US"/>
               <a:t>編輯母片文字樣式</a:t>
             </a:r>
           </a:p>
@@ -775,7 +775,7 @@
           <a:p>
             <a:fld id="{EB8C0491-3092-4ADB-83E9-5E4447201080}" type="datetimeFigureOut">
               <a:rPr lang="zh-TW" altLang="en-US" smtClean="0"/>
-              <a:t>2018/6/29</a:t>
+              <a:t>2019/9/11</a:t>
             </a:fld>
             <a:endParaRPr lang="zh-TW" altLang="en-US"/>
           </a:p>
@@ -880,7 +880,7 @@
           </a:lstStyle>
           <a:p>
             <a:r>
-              <a:rPr lang="zh-TW" altLang="en-US" smtClean="0"/>
+              <a:rPr lang="zh-TW" altLang="en-US"/>
               <a:t>按一下以編輯母片標題樣式</a:t>
             </a:r>
             <a:endParaRPr lang="en-US" dirty="0"/>
@@ -1000,7 +1000,7 @@
           <a:p>
             <a:pPr lvl="0"/>
             <a:r>
-              <a:rPr lang="zh-TW" altLang="en-US" smtClean="0"/>
+              <a:rPr lang="zh-TW" altLang="en-US"/>
               <a:t>編輯母片文字樣式</a:t>
             </a:r>
           </a:p>
@@ -1023,7 +1023,7 @@
           <a:p>
             <a:fld id="{EB8C0491-3092-4ADB-83E9-5E4447201080}" type="datetimeFigureOut">
               <a:rPr lang="zh-TW" altLang="en-US" smtClean="0"/>
-              <a:t>2018/6/29</a:t>
+              <a:t>2019/9/11</a:t>
             </a:fld>
             <a:endParaRPr lang="zh-TW" altLang="en-US"/>
           </a:p>
@@ -1163,7 +1163,7 @@
           </a:lstStyle>
           <a:p>
             <a:r>
-              <a:rPr lang="zh-TW" altLang="en-US" smtClean="0"/>
+              <a:rPr lang="zh-TW" altLang="en-US"/>
               <a:t>按一下以編輯母片標題樣式</a:t>
             </a:r>
             <a:endParaRPr lang="en-US" dirty="0"/>
@@ -1220,7 +1220,7 @@
           <a:p>
             <a:pPr lvl="0"/>
             <a:r>
-              <a:rPr lang="zh-TW" altLang="en-US" smtClean="0"/>
+              <a:rPr lang="zh-TW" altLang="en-US"/>
               <a:t>編輯母片文字樣式</a:t>
             </a:r>
           </a:p>
@@ -1339,7 +1339,7 @@
           <a:p>
             <a:pPr lvl="0"/>
             <a:r>
-              <a:rPr lang="zh-TW" altLang="en-US" smtClean="0"/>
+              <a:rPr lang="zh-TW" altLang="en-US"/>
               <a:t>編輯母片文字樣式</a:t>
             </a:r>
           </a:p>
@@ -1362,7 +1362,7 @@
           <a:p>
             <a:fld id="{EB8C0491-3092-4ADB-83E9-5E4447201080}" type="datetimeFigureOut">
               <a:rPr lang="zh-TW" altLang="en-US" smtClean="0"/>
-              <a:t>2018/6/29</a:t>
+              <a:t>2019/9/11</a:t>
             </a:fld>
             <a:endParaRPr lang="zh-TW" altLang="en-US"/>
           </a:p>
@@ -1566,7 +1566,7 @@
           </a:lstStyle>
           <a:p>
             <a:r>
-              <a:rPr lang="zh-TW" altLang="en-US" smtClean="0"/>
+              <a:rPr lang="zh-TW" altLang="en-US"/>
               <a:t>按一下以編輯母片標題樣式</a:t>
             </a:r>
             <a:endParaRPr lang="en-US" dirty="0"/>
@@ -1686,7 +1686,7 @@
           <a:p>
             <a:pPr lvl="0"/>
             <a:r>
-              <a:rPr lang="zh-TW" altLang="en-US" smtClean="0"/>
+              <a:rPr lang="zh-TW" altLang="en-US"/>
               <a:t>編輯母片文字樣式</a:t>
             </a:r>
           </a:p>
@@ -1709,7 +1709,7 @@
           <a:p>
             <a:fld id="{EB8C0491-3092-4ADB-83E9-5E4447201080}" type="datetimeFigureOut">
               <a:rPr lang="zh-TW" altLang="en-US" smtClean="0"/>
-              <a:t>2018/6/29</a:t>
+              <a:t>2019/9/11</a:t>
             </a:fld>
             <a:endParaRPr lang="zh-TW" altLang="en-US"/>
           </a:p>
@@ -1818,7 +1818,7 @@
           </a:lstStyle>
           <a:p>
             <a:r>
-              <a:rPr lang="zh-TW" altLang="en-US" smtClean="0"/>
+              <a:rPr lang="zh-TW" altLang="en-US"/>
               <a:t>按一下以編輯母片標題樣式</a:t>
             </a:r>
             <a:endParaRPr lang="en-US" dirty="0"/>
@@ -1941,7 +1941,7 @@
           <a:p>
             <a:pPr lvl="0"/>
             <a:r>
-              <a:rPr lang="zh-TW" altLang="en-US" smtClean="0"/>
+              <a:rPr lang="zh-TW" altLang="en-US"/>
               <a:t>編輯母片文字樣式</a:t>
             </a:r>
           </a:p>
@@ -2060,7 +2060,7 @@
           <a:p>
             <a:pPr lvl="0"/>
             <a:r>
-              <a:rPr lang="zh-TW" altLang="en-US" smtClean="0"/>
+              <a:rPr lang="zh-TW" altLang="en-US"/>
               <a:t>編輯母片文字樣式</a:t>
             </a:r>
           </a:p>
@@ -2083,7 +2083,7 @@
           <a:p>
             <a:fld id="{EB8C0491-3092-4ADB-83E9-5E4447201080}" type="datetimeFigureOut">
               <a:rPr lang="zh-TW" altLang="en-US" smtClean="0"/>
-              <a:t>2018/6/29</a:t>
+              <a:t>2019/9/11</a:t>
             </a:fld>
             <a:endParaRPr lang="zh-TW" altLang="en-US"/>
           </a:p>
@@ -2288,7 +2288,7 @@
           <a:p>
             <a:pPr marL="0" lvl="0"/>
             <a:r>
-              <a:rPr lang="zh-TW" altLang="en-US" smtClean="0"/>
+              <a:rPr lang="zh-TW" altLang="en-US"/>
               <a:t>按一下以編輯母片標題樣式</a:t>
             </a:r>
             <a:endParaRPr lang="en-US" dirty="0"/>
@@ -2411,7 +2411,7 @@
           <a:p>
             <a:pPr lvl="0"/>
             <a:r>
-              <a:rPr lang="zh-TW" altLang="en-US" smtClean="0"/>
+              <a:rPr lang="zh-TW" altLang="en-US"/>
               <a:t>編輯母片文字樣式</a:t>
             </a:r>
           </a:p>
@@ -2530,7 +2530,7 @@
           <a:p>
             <a:pPr lvl="0"/>
             <a:r>
-              <a:rPr lang="zh-TW" altLang="en-US" smtClean="0"/>
+              <a:rPr lang="zh-TW" altLang="en-US"/>
               <a:t>編輯母片文字樣式</a:t>
             </a:r>
           </a:p>
@@ -2553,7 +2553,7 @@
           <a:p>
             <a:fld id="{EB8C0491-3092-4ADB-83E9-5E4447201080}" type="datetimeFigureOut">
               <a:rPr lang="zh-TW" altLang="en-US" smtClean="0"/>
-              <a:t>2018/6/29</a:t>
+              <a:t>2019/9/11</a:t>
             </a:fld>
             <a:endParaRPr lang="zh-TW" altLang="en-US"/>
           </a:p>
@@ -2682,7 +2682,7 @@
           </a:lstStyle>
           <a:p>
             <a:r>
-              <a:rPr lang="zh-TW" altLang="en-US" smtClean="0"/>
+              <a:rPr lang="zh-TW" altLang="en-US"/>
               <a:t>按一下以編輯母片標題樣式</a:t>
             </a:r>
             <a:endParaRPr lang="en-US" dirty="0"/>
@@ -2706,35 +2706,35 @@
           <a:p>
             <a:pPr lvl="0"/>
             <a:r>
-              <a:rPr lang="zh-TW" altLang="en-US" smtClean="0"/>
+              <a:rPr lang="zh-TW" altLang="en-US"/>
               <a:t>編輯母片文字樣式</a:t>
             </a:r>
           </a:p>
           <a:p>
             <a:pPr lvl="1"/>
             <a:r>
-              <a:rPr lang="zh-TW" altLang="en-US" smtClean="0"/>
+              <a:rPr lang="zh-TW" altLang="en-US"/>
               <a:t>第二層</a:t>
             </a:r>
           </a:p>
           <a:p>
             <a:pPr lvl="2"/>
             <a:r>
-              <a:rPr lang="zh-TW" altLang="en-US" smtClean="0"/>
+              <a:rPr lang="zh-TW" altLang="en-US"/>
               <a:t>第三層</a:t>
             </a:r>
           </a:p>
           <a:p>
             <a:pPr lvl="3"/>
             <a:r>
-              <a:rPr lang="zh-TW" altLang="en-US" smtClean="0"/>
+              <a:rPr lang="zh-TW" altLang="en-US"/>
               <a:t>第四層</a:t>
             </a:r>
           </a:p>
           <a:p>
             <a:pPr lvl="4"/>
             <a:r>
-              <a:rPr lang="zh-TW" altLang="en-US" smtClean="0"/>
+              <a:rPr lang="zh-TW" altLang="en-US"/>
               <a:t>第五層</a:t>
             </a:r>
             <a:endParaRPr lang="en-US" dirty="0"/>
@@ -2758,7 +2758,7 @@
           <a:p>
             <a:fld id="{EB8C0491-3092-4ADB-83E9-5E4447201080}" type="datetimeFigureOut">
               <a:rPr lang="zh-TW" altLang="en-US" smtClean="0"/>
-              <a:t>2018/6/29</a:t>
+              <a:t>2019/9/11</a:t>
             </a:fld>
             <a:endParaRPr lang="zh-TW" altLang="en-US"/>
           </a:p>
@@ -2888,7 +2888,7 @@
           <a:lstStyle/>
           <a:p>
             <a:r>
-              <a:rPr lang="zh-TW" altLang="en-US" smtClean="0"/>
+              <a:rPr lang="zh-TW" altLang="en-US"/>
               <a:t>按一下以編輯母片標題樣式</a:t>
             </a:r>
             <a:endParaRPr lang="en-US" dirty="0"/>
@@ -2917,35 +2917,35 @@
           <a:p>
             <a:pPr lvl="0"/>
             <a:r>
-              <a:rPr lang="zh-TW" altLang="en-US" smtClean="0"/>
+              <a:rPr lang="zh-TW" altLang="en-US"/>
               <a:t>編輯母片文字樣式</a:t>
             </a:r>
           </a:p>
           <a:p>
             <a:pPr lvl="1"/>
             <a:r>
-              <a:rPr lang="zh-TW" altLang="en-US" smtClean="0"/>
+              <a:rPr lang="zh-TW" altLang="en-US"/>
               <a:t>第二層</a:t>
             </a:r>
           </a:p>
           <a:p>
             <a:pPr lvl="2"/>
             <a:r>
-              <a:rPr lang="zh-TW" altLang="en-US" smtClean="0"/>
+              <a:rPr lang="zh-TW" altLang="en-US"/>
               <a:t>第三層</a:t>
             </a:r>
           </a:p>
           <a:p>
             <a:pPr lvl="3"/>
             <a:r>
-              <a:rPr lang="zh-TW" altLang="en-US" smtClean="0"/>
+              <a:rPr lang="zh-TW" altLang="en-US"/>
               <a:t>第四層</a:t>
             </a:r>
           </a:p>
           <a:p>
             <a:pPr lvl="4"/>
             <a:r>
-              <a:rPr lang="zh-TW" altLang="en-US" smtClean="0"/>
+              <a:rPr lang="zh-TW" altLang="en-US"/>
               <a:t>第五層</a:t>
             </a:r>
             <a:endParaRPr lang="en-US" dirty="0"/>
@@ -2969,7 +2969,7 @@
           <a:p>
             <a:fld id="{EB8C0491-3092-4ADB-83E9-5E4447201080}" type="datetimeFigureOut">
               <a:rPr lang="zh-TW" altLang="en-US" smtClean="0"/>
-              <a:t>2018/6/29</a:t>
+              <a:t>2019/9/11</a:t>
             </a:fld>
             <a:endParaRPr lang="zh-TW" altLang="en-US"/>
           </a:p>
@@ -3125,7 +3125,7 @@
           <a:lstStyle/>
           <a:p>
             <a:r>
-              <a:rPr lang="zh-TW" altLang="en-US" smtClean="0"/>
+              <a:rPr lang="zh-TW" altLang="en-US"/>
               <a:t>按一下以編輯母片標題樣式</a:t>
             </a:r>
             <a:endParaRPr lang="en-US" dirty="0"/>
@@ -3149,35 +3149,35 @@
           <a:p>
             <a:pPr lvl="0"/>
             <a:r>
-              <a:rPr lang="zh-TW" altLang="en-US" smtClean="0"/>
+              <a:rPr lang="zh-TW" altLang="en-US"/>
               <a:t>編輯母片文字樣式</a:t>
             </a:r>
           </a:p>
           <a:p>
             <a:pPr lvl="1"/>
             <a:r>
-              <a:rPr lang="zh-TW" altLang="en-US" smtClean="0"/>
+              <a:rPr lang="zh-TW" altLang="en-US"/>
               <a:t>第二層</a:t>
             </a:r>
           </a:p>
           <a:p>
             <a:pPr lvl="2"/>
             <a:r>
-              <a:rPr lang="zh-TW" altLang="en-US" smtClean="0"/>
+              <a:rPr lang="zh-TW" altLang="en-US"/>
               <a:t>第三層</a:t>
             </a:r>
           </a:p>
           <a:p>
             <a:pPr lvl="3"/>
             <a:r>
-              <a:rPr lang="zh-TW" altLang="en-US" smtClean="0"/>
+              <a:rPr lang="zh-TW" altLang="en-US"/>
               <a:t>第四層</a:t>
             </a:r>
           </a:p>
           <a:p>
             <a:pPr lvl="4"/>
             <a:r>
-              <a:rPr lang="zh-TW" altLang="en-US" smtClean="0"/>
+              <a:rPr lang="zh-TW" altLang="en-US"/>
               <a:t>第五層</a:t>
             </a:r>
             <a:endParaRPr lang="en-US" dirty="0"/>
@@ -3201,7 +3201,7 @@
           <a:p>
             <a:fld id="{EB8C0491-3092-4ADB-83E9-5E4447201080}" type="datetimeFigureOut">
               <a:rPr lang="zh-TW" altLang="en-US" smtClean="0"/>
-              <a:t>2018/6/29</a:t>
+              <a:t>2019/9/11</a:t>
             </a:fld>
             <a:endParaRPr lang="zh-TW" altLang="en-US"/>
           </a:p>
@@ -3306,7 +3306,7 @@
           </a:lstStyle>
           <a:p>
             <a:r>
-              <a:rPr lang="zh-TW" altLang="en-US" smtClean="0"/>
+              <a:rPr lang="zh-TW" altLang="en-US"/>
               <a:t>按一下以編輯母片標題樣式</a:t>
             </a:r>
             <a:endParaRPr lang="en-US" dirty="0"/>
@@ -3426,7 +3426,7 @@
           <a:p>
             <a:pPr lvl="0"/>
             <a:r>
-              <a:rPr lang="zh-TW" altLang="en-US" smtClean="0"/>
+              <a:rPr lang="zh-TW" altLang="en-US"/>
               <a:t>編輯母片文字樣式</a:t>
             </a:r>
           </a:p>
@@ -3449,7 +3449,7 @@
           <a:p>
             <a:fld id="{EB8C0491-3092-4ADB-83E9-5E4447201080}" type="datetimeFigureOut">
               <a:rPr lang="zh-TW" altLang="en-US" smtClean="0"/>
-              <a:t>2018/6/29</a:t>
+              <a:t>2019/9/11</a:t>
             </a:fld>
             <a:endParaRPr lang="zh-TW" altLang="en-US"/>
           </a:p>
@@ -3605,7 +3605,7 @@
           <a:lstStyle/>
           <a:p>
             <a:r>
-              <a:rPr lang="zh-TW" altLang="en-US" smtClean="0"/>
+              <a:rPr lang="zh-TW" altLang="en-US"/>
               <a:t>按一下以編輯母片標題樣式</a:t>
             </a:r>
             <a:endParaRPr lang="en-US" dirty="0"/>
@@ -3636,35 +3636,35 @@
           <a:p>
             <a:pPr lvl="0"/>
             <a:r>
-              <a:rPr lang="zh-TW" altLang="en-US" smtClean="0"/>
+              <a:rPr lang="zh-TW" altLang="en-US"/>
               <a:t>編輯母片文字樣式</a:t>
             </a:r>
           </a:p>
           <a:p>
             <a:pPr lvl="1"/>
             <a:r>
-              <a:rPr lang="zh-TW" altLang="en-US" smtClean="0"/>
+              <a:rPr lang="zh-TW" altLang="en-US"/>
               <a:t>第二層</a:t>
             </a:r>
           </a:p>
           <a:p>
             <a:pPr lvl="2"/>
             <a:r>
-              <a:rPr lang="zh-TW" altLang="en-US" smtClean="0"/>
+              <a:rPr lang="zh-TW" altLang="en-US"/>
               <a:t>第三層</a:t>
             </a:r>
           </a:p>
           <a:p>
             <a:pPr lvl="3"/>
             <a:r>
-              <a:rPr lang="zh-TW" altLang="en-US" smtClean="0"/>
+              <a:rPr lang="zh-TW" altLang="en-US"/>
               <a:t>第四層</a:t>
             </a:r>
           </a:p>
           <a:p>
             <a:pPr lvl="4"/>
             <a:r>
-              <a:rPr lang="zh-TW" altLang="en-US" smtClean="0"/>
+              <a:rPr lang="zh-TW" altLang="en-US"/>
               <a:t>第五層</a:t>
             </a:r>
             <a:endParaRPr lang="en-US" dirty="0"/>
@@ -3695,35 +3695,35 @@
           <a:p>
             <a:pPr lvl="0"/>
             <a:r>
-              <a:rPr lang="zh-TW" altLang="en-US" smtClean="0"/>
+              <a:rPr lang="zh-TW" altLang="en-US"/>
               <a:t>編輯母片文字樣式</a:t>
             </a:r>
           </a:p>
           <a:p>
             <a:pPr lvl="1"/>
             <a:r>
-              <a:rPr lang="zh-TW" altLang="en-US" smtClean="0"/>
+              <a:rPr lang="zh-TW" altLang="en-US"/>
               <a:t>第二層</a:t>
             </a:r>
           </a:p>
           <a:p>
             <a:pPr lvl="2"/>
             <a:r>
-              <a:rPr lang="zh-TW" altLang="en-US" smtClean="0"/>
+              <a:rPr lang="zh-TW" altLang="en-US"/>
               <a:t>第三層</a:t>
             </a:r>
           </a:p>
           <a:p>
             <a:pPr lvl="3"/>
             <a:r>
-              <a:rPr lang="zh-TW" altLang="en-US" smtClean="0"/>
+              <a:rPr lang="zh-TW" altLang="en-US"/>
               <a:t>第四層</a:t>
             </a:r>
           </a:p>
           <a:p>
             <a:pPr lvl="4"/>
             <a:r>
-              <a:rPr lang="zh-TW" altLang="en-US" smtClean="0"/>
+              <a:rPr lang="zh-TW" altLang="en-US"/>
               <a:t>第五層</a:t>
             </a:r>
             <a:endParaRPr lang="en-US" dirty="0"/>
@@ -3747,7 +3747,7 @@
           <a:p>
             <a:fld id="{EB8C0491-3092-4ADB-83E9-5E4447201080}" type="datetimeFigureOut">
               <a:rPr lang="zh-TW" altLang="en-US" smtClean="0"/>
-              <a:t>2018/6/29</a:t>
+              <a:t>2019/9/11</a:t>
             </a:fld>
             <a:endParaRPr lang="zh-TW" altLang="en-US"/>
           </a:p>
@@ -3845,7 +3845,7 @@
           </a:lstStyle>
           <a:p>
             <a:r>
-              <a:rPr lang="zh-TW" altLang="en-US" smtClean="0"/>
+              <a:rPr lang="zh-TW" altLang="en-US"/>
               <a:t>按一下以編輯母片標題樣式</a:t>
             </a:r>
             <a:endParaRPr lang="en-US" dirty="0"/>
@@ -3923,7 +3923,7 @@
           <a:p>
             <a:pPr lvl="0"/>
             <a:r>
-              <a:rPr lang="zh-TW" altLang="en-US" smtClean="0"/>
+              <a:rPr lang="zh-TW" altLang="en-US"/>
               <a:t>編輯母片文字樣式</a:t>
             </a:r>
           </a:p>
@@ -3953,35 +3953,35 @@
           <a:p>
             <a:pPr lvl="0"/>
             <a:r>
-              <a:rPr lang="zh-TW" altLang="en-US" smtClean="0"/>
+              <a:rPr lang="zh-TW" altLang="en-US"/>
               <a:t>編輯母片文字樣式</a:t>
             </a:r>
           </a:p>
           <a:p>
             <a:pPr lvl="1"/>
             <a:r>
-              <a:rPr lang="zh-TW" altLang="en-US" smtClean="0"/>
+              <a:rPr lang="zh-TW" altLang="en-US"/>
               <a:t>第二層</a:t>
             </a:r>
           </a:p>
           <a:p>
             <a:pPr lvl="2"/>
             <a:r>
-              <a:rPr lang="zh-TW" altLang="en-US" smtClean="0"/>
+              <a:rPr lang="zh-TW" altLang="en-US"/>
               <a:t>第三層</a:t>
             </a:r>
           </a:p>
           <a:p>
             <a:pPr lvl="3"/>
             <a:r>
-              <a:rPr lang="zh-TW" altLang="en-US" smtClean="0"/>
+              <a:rPr lang="zh-TW" altLang="en-US"/>
               <a:t>第四層</a:t>
             </a:r>
           </a:p>
           <a:p>
             <a:pPr lvl="4"/>
             <a:r>
-              <a:rPr lang="zh-TW" altLang="en-US" smtClean="0"/>
+              <a:rPr lang="zh-TW" altLang="en-US"/>
               <a:t>第五層</a:t>
             </a:r>
             <a:endParaRPr lang="en-US" dirty="0"/>
@@ -4059,7 +4059,7 @@
           <a:p>
             <a:pPr lvl="0"/>
             <a:r>
-              <a:rPr lang="zh-TW" altLang="en-US" smtClean="0"/>
+              <a:rPr lang="zh-TW" altLang="en-US"/>
               <a:t>編輯母片文字樣式</a:t>
             </a:r>
           </a:p>
@@ -4089,35 +4089,35 @@
           <a:p>
             <a:pPr lvl="0"/>
             <a:r>
-              <a:rPr lang="zh-TW" altLang="en-US" smtClean="0"/>
+              <a:rPr lang="zh-TW" altLang="en-US"/>
               <a:t>編輯母片文字樣式</a:t>
             </a:r>
           </a:p>
           <a:p>
             <a:pPr lvl="1"/>
             <a:r>
-              <a:rPr lang="zh-TW" altLang="en-US" smtClean="0"/>
+              <a:rPr lang="zh-TW" altLang="en-US"/>
               <a:t>第二層</a:t>
             </a:r>
           </a:p>
           <a:p>
             <a:pPr lvl="2"/>
             <a:r>
-              <a:rPr lang="zh-TW" altLang="en-US" smtClean="0"/>
+              <a:rPr lang="zh-TW" altLang="en-US"/>
               <a:t>第三層</a:t>
             </a:r>
           </a:p>
           <a:p>
             <a:pPr lvl="3"/>
             <a:r>
-              <a:rPr lang="zh-TW" altLang="en-US" smtClean="0"/>
+              <a:rPr lang="zh-TW" altLang="en-US"/>
               <a:t>第四層</a:t>
             </a:r>
           </a:p>
           <a:p>
             <a:pPr lvl="4"/>
             <a:r>
-              <a:rPr lang="zh-TW" altLang="en-US" smtClean="0"/>
+              <a:rPr lang="zh-TW" altLang="en-US"/>
               <a:t>第五層</a:t>
             </a:r>
             <a:endParaRPr lang="en-US" dirty="0"/>
@@ -4141,7 +4141,7 @@
           <a:p>
             <a:fld id="{EB8C0491-3092-4ADB-83E9-5E4447201080}" type="datetimeFigureOut">
               <a:rPr lang="zh-TW" altLang="en-US" smtClean="0"/>
-              <a:t>2018/6/29</a:t>
+              <a:t>2019/9/11</a:t>
             </a:fld>
             <a:endParaRPr lang="zh-TW" altLang="en-US"/>
           </a:p>
@@ -4266,7 +4266,7 @@
           <a:lstStyle/>
           <a:p>
             <a:r>
-              <a:rPr lang="zh-TW" altLang="en-US" smtClean="0"/>
+              <a:rPr lang="zh-TW" altLang="en-US"/>
               <a:t>按一下以編輯母片標題樣式</a:t>
             </a:r>
             <a:endParaRPr lang="en-US" dirty="0"/>
@@ -4290,7 +4290,7 @@
           <a:p>
             <a:fld id="{EB8C0491-3092-4ADB-83E9-5E4447201080}" type="datetimeFigureOut">
               <a:rPr lang="zh-TW" altLang="en-US" smtClean="0"/>
-              <a:t>2018/6/29</a:t>
+              <a:t>2019/9/11</a:t>
             </a:fld>
             <a:endParaRPr lang="zh-TW" altLang="en-US"/>
           </a:p>
@@ -4416,7 +4416,7 @@
           <a:p>
             <a:fld id="{EB8C0491-3092-4ADB-83E9-5E4447201080}" type="datetimeFigureOut">
               <a:rPr lang="zh-TW" altLang="en-US" smtClean="0"/>
-              <a:t>2018/6/29</a:t>
+              <a:t>2019/9/11</a:t>
             </a:fld>
             <a:endParaRPr lang="zh-TW" altLang="en-US"/>
           </a:p>
@@ -4521,7 +4521,7 @@
           </a:lstStyle>
           <a:p>
             <a:r>
-              <a:rPr lang="zh-TW" altLang="en-US" smtClean="0"/>
+              <a:rPr lang="zh-TW" altLang="en-US"/>
               <a:t>按一下以編輯母片標題樣式</a:t>
             </a:r>
             <a:endParaRPr lang="en-US" dirty="0"/>
@@ -4552,35 +4552,35 @@
           <a:p>
             <a:pPr lvl="0"/>
             <a:r>
-              <a:rPr lang="zh-TW" altLang="en-US" smtClean="0"/>
+              <a:rPr lang="zh-TW" altLang="en-US"/>
               <a:t>編輯母片文字樣式</a:t>
             </a:r>
           </a:p>
           <a:p>
             <a:pPr lvl="1"/>
             <a:r>
-              <a:rPr lang="zh-TW" altLang="en-US" smtClean="0"/>
+              <a:rPr lang="zh-TW" altLang="en-US"/>
               <a:t>第二層</a:t>
             </a:r>
           </a:p>
           <a:p>
             <a:pPr lvl="2"/>
             <a:r>
-              <a:rPr lang="zh-TW" altLang="en-US" smtClean="0"/>
+              <a:rPr lang="zh-TW" altLang="en-US"/>
               <a:t>第三層</a:t>
             </a:r>
           </a:p>
           <a:p>
             <a:pPr lvl="3"/>
             <a:r>
-              <a:rPr lang="zh-TW" altLang="en-US" smtClean="0"/>
+              <a:rPr lang="zh-TW" altLang="en-US"/>
               <a:t>第四層</a:t>
             </a:r>
           </a:p>
           <a:p>
             <a:pPr lvl="4"/>
             <a:r>
-              <a:rPr lang="zh-TW" altLang="en-US" smtClean="0"/>
+              <a:rPr lang="zh-TW" altLang="en-US"/>
               <a:t>第五層</a:t>
             </a:r>
             <a:endParaRPr lang="en-US" dirty="0"/>
@@ -4648,7 +4648,7 @@
           <a:p>
             <a:pPr lvl="0"/>
             <a:r>
-              <a:rPr lang="zh-TW" altLang="en-US" smtClean="0"/>
+              <a:rPr lang="zh-TW" altLang="en-US"/>
               <a:t>編輯母片文字樣式</a:t>
             </a:r>
           </a:p>
@@ -4671,7 +4671,7 @@
           <a:p>
             <a:fld id="{EB8C0491-3092-4ADB-83E9-5E4447201080}" type="datetimeFigureOut">
               <a:rPr lang="zh-TW" altLang="en-US" smtClean="0"/>
-              <a:t>2018/6/29</a:t>
+              <a:t>2019/9/11</a:t>
             </a:fld>
             <a:endParaRPr lang="zh-TW" altLang="en-US"/>
           </a:p>
@@ -4807,7 +4807,7 @@
           </a:lstStyle>
           <a:p>
             <a:r>
-              <a:rPr lang="zh-TW" altLang="en-US" smtClean="0"/>
+              <a:rPr lang="zh-TW" altLang="en-US"/>
               <a:t>按一下以編輯母片標題樣式</a:t>
             </a:r>
             <a:endParaRPr lang="en-US" dirty="0"/>
@@ -4895,7 +4895,7 @@
           </a:lstStyle>
           <a:p>
             <a:r>
-              <a:rPr lang="zh-TW" altLang="en-US" smtClean="0"/>
+              <a:rPr lang="zh-TW" altLang="en-US"/>
               <a:t>按一下圖示以新增圖片</a:t>
             </a:r>
             <a:endParaRPr lang="en-US" dirty="0"/>
@@ -4963,7 +4963,7 @@
           <a:p>
             <a:pPr lvl="0"/>
             <a:r>
-              <a:rPr lang="zh-TW" altLang="en-US" smtClean="0"/>
+              <a:rPr lang="zh-TW" altLang="en-US"/>
               <a:t>編輯母片文字樣式</a:t>
             </a:r>
           </a:p>
@@ -4986,7 +4986,7 @@
           <a:p>
             <a:fld id="{EB8C0491-3092-4ADB-83E9-5E4447201080}" type="datetimeFigureOut">
               <a:rPr lang="zh-TW" altLang="en-US" smtClean="0"/>
-              <a:t>2018/6/29</a:t>
+              <a:t>2019/9/11</a:t>
             </a:fld>
             <a:endParaRPr lang="zh-TW" altLang="en-US"/>
           </a:p>
@@ -5233,7 +5233,7 @@
           <a:lstStyle/>
           <a:p>
             <a:r>
-              <a:rPr lang="zh-TW" altLang="en-US" smtClean="0"/>
+              <a:rPr lang="zh-TW" altLang="en-US"/>
               <a:t>按一下以編輯母片標題樣式</a:t>
             </a:r>
             <a:endParaRPr lang="en-US" dirty="0"/>
@@ -5267,35 +5267,35 @@
           <a:p>
             <a:pPr lvl="0"/>
             <a:r>
-              <a:rPr lang="zh-TW" altLang="en-US" smtClean="0"/>
+              <a:rPr lang="zh-TW" altLang="en-US"/>
               <a:t>編輯母片文字樣式</a:t>
             </a:r>
           </a:p>
           <a:p>
             <a:pPr lvl="1"/>
             <a:r>
-              <a:rPr lang="zh-TW" altLang="en-US" smtClean="0"/>
+              <a:rPr lang="zh-TW" altLang="en-US"/>
               <a:t>第二層</a:t>
             </a:r>
           </a:p>
           <a:p>
             <a:pPr lvl="2"/>
             <a:r>
-              <a:rPr lang="zh-TW" altLang="en-US" smtClean="0"/>
+              <a:rPr lang="zh-TW" altLang="en-US"/>
               <a:t>第三層</a:t>
             </a:r>
           </a:p>
           <a:p>
             <a:pPr lvl="3"/>
             <a:r>
-              <a:rPr lang="zh-TW" altLang="en-US" smtClean="0"/>
+              <a:rPr lang="zh-TW" altLang="en-US"/>
               <a:t>第四層</a:t>
             </a:r>
           </a:p>
           <a:p>
             <a:pPr lvl="4"/>
             <a:r>
-              <a:rPr lang="zh-TW" altLang="en-US" smtClean="0"/>
+              <a:rPr lang="zh-TW" altLang="en-US"/>
               <a:t>第五層</a:t>
             </a:r>
             <a:endParaRPr lang="en-US" dirty="0"/>
@@ -5337,7 +5337,7 @@
           <a:p>
             <a:fld id="{EB8C0491-3092-4ADB-83E9-5E4447201080}" type="datetimeFigureOut">
               <a:rPr lang="zh-TW" altLang="en-US" smtClean="0"/>
-              <a:t>2018/6/29</a:t>
+              <a:t>2019/9/11</a:t>
             </a:fld>
             <a:endParaRPr lang="zh-TW" altLang="en-US"/>
           </a:p>
@@ -5896,7 +5896,7 @@
           <a:lstStyle/>
           <a:p>
             <a:r>
-              <a:rPr lang="zh-TW" altLang="en-US" b="1" dirty="0" smtClean="0">
+              <a:rPr lang="zh-TW" altLang="en-US" b="1" dirty="0">
                 <a:solidFill>
                   <a:srgbClr val="FF0000"/>
                 </a:solidFill>
@@ -5910,18 +5910,6 @@
               </a:rPr>
               <a:t>戰車模擬器</a:t>
             </a:r>
-            <a:endParaRPr lang="zh-TW" altLang="en-US" b="1" dirty="0">
-              <a:solidFill>
-                <a:srgbClr val="FF0000"/>
-              </a:solidFill>
-              <a:effectLst>
-                <a:outerShdw blurRad="38100" dist="38100" dir="2700000" algn="tl">
-                  <a:srgbClr val="000000">
-                    <a:alpha val="43137"/>
-                  </a:srgbClr>
-                </a:outerShdw>
-              </a:effectLst>
-            </a:endParaRPr>
           </a:p>
         </p:txBody>
       </p:sp>
@@ -5948,56 +5936,47 @@
           <a:lstStyle/>
           <a:p>
             <a:r>
-              <a:rPr lang="zh-TW" altLang="en-US" dirty="0" smtClean="0"/>
+              <a:rPr lang="zh-TW" altLang="en-US" dirty="0"/>
               <a:t>指導教授</a:t>
             </a:r>
             <a:r>
-              <a:rPr lang="en-US" altLang="zh-TW" dirty="0" smtClean="0"/>
+              <a:rPr lang="en-US" altLang="zh-TW" dirty="0"/>
               <a:t>:</a:t>
             </a:r>
             <a:r>
-              <a:rPr lang="zh-TW" altLang="en-US" dirty="0" smtClean="0"/>
+              <a:rPr lang="zh-TW" altLang="en-US" dirty="0"/>
               <a:t>馬尚彬</a:t>
             </a:r>
-            <a:endParaRPr lang="en-US" altLang="zh-TW" dirty="0" smtClean="0"/>
-          </a:p>
-          <a:p>
-            <a:r>
-              <a:rPr lang="zh-TW" altLang="en-US" dirty="0" smtClean="0"/>
+            <a:endParaRPr lang="en-US" altLang="zh-TW" dirty="0"/>
+          </a:p>
+          <a:p>
+            <a:r>
+              <a:rPr lang="zh-TW" altLang="en-US" dirty="0"/>
               <a:t>組長</a:t>
             </a:r>
             <a:r>
-              <a:rPr lang="en-US" altLang="zh-TW" dirty="0" smtClean="0"/>
+              <a:rPr lang="en-US" altLang="zh-TW" dirty="0"/>
               <a:t>:00557019</a:t>
             </a:r>
             <a:r>
-              <a:rPr lang="zh-TW" altLang="en-US" dirty="0" smtClean="0"/>
-              <a:t> </a:t>
-            </a:r>
-            <a:r>
               <a:rPr lang="zh-TW" altLang="en-US" dirty="0"/>
-              <a:t>何</a:t>
-            </a:r>
-            <a:r>
-              <a:rPr lang="zh-TW" altLang="en-US" dirty="0" smtClean="0"/>
-              <a:t>寬宥</a:t>
-            </a:r>
-            <a:endParaRPr lang="en-US" altLang="zh-TW" dirty="0" smtClean="0"/>
-          </a:p>
-          <a:p>
-            <a:r>
-              <a:rPr lang="zh-TW" altLang="en-US" dirty="0" smtClean="0"/>
+              <a:t> 何寬宥</a:t>
+            </a:r>
+            <a:endParaRPr lang="en-US" altLang="zh-TW" dirty="0"/>
+          </a:p>
+          <a:p>
+            <a:r>
+              <a:rPr lang="zh-TW" altLang="en-US" dirty="0"/>
               <a:t>組員</a:t>
             </a:r>
             <a:r>
-              <a:rPr lang="en-US" altLang="zh-TW" dirty="0" smtClean="0"/>
+              <a:rPr lang="en-US" altLang="zh-TW" dirty="0"/>
               <a:t>:00557006</a:t>
             </a:r>
             <a:r>
-              <a:rPr lang="zh-TW" altLang="en-US" dirty="0" smtClean="0"/>
+              <a:rPr lang="zh-TW" altLang="en-US" dirty="0"/>
               <a:t> 謝宇恆</a:t>
             </a:r>
-            <a:endParaRPr lang="zh-TW" altLang="en-US" dirty="0"/>
           </a:p>
         </p:txBody>
       </p:sp>
@@ -6049,7 +6028,7 @@
           <a:lstStyle/>
           <a:p>
             <a:r>
-              <a:rPr lang="zh-TW" altLang="en-US" sz="5400" b="1" dirty="0" smtClean="0">
+              <a:rPr lang="zh-TW" altLang="en-US" sz="5400" b="1" dirty="0">
                 <a:solidFill>
                   <a:schemeClr val="accent3">
                     <a:lumMod val="75000"/>
@@ -6065,20 +6044,6 @@
               </a:rPr>
               <a:t>網站主題</a:t>
             </a:r>
-            <a:endParaRPr lang="zh-TW" altLang="en-US" sz="5400" b="1" dirty="0">
-              <a:solidFill>
-                <a:schemeClr val="accent3">
-                  <a:lumMod val="75000"/>
-                </a:schemeClr>
-              </a:solidFill>
-              <a:effectLst>
-                <a:outerShdw blurRad="38100" dist="38100" dir="2700000" algn="tl">
-                  <a:srgbClr val="000000">
-                    <a:alpha val="43137"/>
-                  </a:srgbClr>
-                </a:outerShdw>
-              </a:effectLst>
-            </a:endParaRPr>
           </a:p>
         </p:txBody>
       </p:sp>
@@ -6101,7 +6066,7 @@
               <a:buNone/>
             </a:pPr>
             <a:r>
-              <a:rPr lang="zh-TW" altLang="en-US" b="1" dirty="0" smtClean="0">
+              <a:rPr lang="zh-TW" altLang="en-US" b="1" dirty="0">
                 <a:effectLst>
                   <a:outerShdw blurRad="38100" dist="38100" dir="2700000" algn="tl">
                     <a:srgbClr val="000000">
@@ -6113,7 +6078,7 @@
               <a:t>一個人玩遊戲已經玩膩了嗎</a:t>
             </a:r>
             <a:r>
-              <a:rPr lang="en-US" altLang="zh-TW" b="1" dirty="0" smtClean="0">
+              <a:rPr lang="en-US" altLang="zh-TW" b="1" dirty="0">
                 <a:effectLst>
                   <a:outerShdw blurRad="38100" dist="38100" dir="2700000" algn="tl">
                     <a:srgbClr val="000000">
@@ -6125,7 +6090,7 @@
               <a:t>?</a:t>
             </a:r>
             <a:r>
-              <a:rPr lang="zh-TW" altLang="en-US" b="1" dirty="0" smtClean="0">
+              <a:rPr lang="zh-TW" altLang="en-US" b="1" dirty="0">
                 <a:effectLst>
                   <a:outerShdw blurRad="38100" dist="38100" dir="2700000" algn="tl">
                     <a:srgbClr val="000000">
@@ -6137,7 +6102,7 @@
               <a:t>一直要去找線上遊戲找煩了嗎</a:t>
             </a:r>
             <a:r>
-              <a:rPr lang="en-US" altLang="zh-TW" b="1" dirty="0" smtClean="0">
+              <a:rPr lang="en-US" altLang="zh-TW" b="1" dirty="0">
                 <a:effectLst>
                   <a:outerShdw blurRad="38100" dist="38100" dir="2700000" algn="tl">
                     <a:srgbClr val="000000">
@@ -6154,7 +6119,7 @@
               <a:buNone/>
             </a:pPr>
             <a:r>
-              <a:rPr lang="zh-TW" altLang="en-US" b="1" dirty="0" smtClean="0">
+              <a:rPr lang="zh-TW" altLang="en-US" b="1" dirty="0">
                 <a:effectLst>
                   <a:outerShdw blurRad="38100" dist="38100" dir="2700000" algn="tl">
                     <a:srgbClr val="000000">
@@ -6166,7 +6131,7 @@
               <a:t>沒關係</a:t>
             </a:r>
             <a:r>
-              <a:rPr lang="en-US" altLang="zh-TW" b="1" dirty="0" smtClean="0">
+              <a:rPr lang="en-US" altLang="zh-TW" b="1" dirty="0">
                 <a:effectLst>
                   <a:outerShdw blurRad="38100" dist="38100" dir="2700000" algn="tl">
                     <a:srgbClr val="000000">
@@ -6178,7 +6143,7 @@
               <a:t>!!</a:t>
             </a:r>
             <a:r>
-              <a:rPr lang="zh-TW" altLang="en-US" b="1" dirty="0" smtClean="0">
+              <a:rPr lang="zh-TW" altLang="en-US" b="1" dirty="0">
                 <a:effectLst>
                   <a:outerShdw blurRad="38100" dist="38100" dir="2700000" algn="tl">
                     <a:srgbClr val="000000">
@@ -6190,7 +6155,7 @@
               <a:t>讓我們的戰車模擬器一次滿足你的需求，你可以跟你朋友一同享受這個不用連線就能玩的遊戲囉</a:t>
             </a:r>
             <a:r>
-              <a:rPr lang="en-US" altLang="zh-TW" b="1" dirty="0" smtClean="0">
+              <a:rPr lang="en-US" altLang="zh-TW" b="1" dirty="0">
                 <a:effectLst>
                   <a:outerShdw blurRad="38100" dist="38100" dir="2700000" algn="tl">
                     <a:srgbClr val="000000">
@@ -6207,7 +6172,7 @@
               <a:buNone/>
             </a:pPr>
             <a:r>
-              <a:rPr lang="zh-TW" altLang="en-US" sz="5400" b="1" dirty="0" smtClean="0">
+              <a:rPr lang="zh-TW" altLang="en-US" sz="5400" b="1" dirty="0">
                 <a:solidFill>
                   <a:srgbClr val="FF0000"/>
                 </a:solidFill>
@@ -6219,10 +6184,10 @@
                   </a:outerShdw>
                 </a:effectLst>
               </a:rPr>
-              <a:t>一同享受</a:t>
-            </a:r>
-            <a:r>
-              <a:rPr lang="zh-TW" altLang="en-US" sz="5400" b="1" dirty="0">
+              <a:t>一同享受 戰車模擬器</a:t>
+            </a:r>
+            <a:r>
+              <a:rPr lang="en-US" altLang="zh-TW" sz="5400" b="1" dirty="0">
                 <a:solidFill>
                   <a:srgbClr val="FF0000"/>
                 </a:solidFill>
@@ -6234,52 +6199,7 @@
                   </a:outerShdw>
                 </a:effectLst>
               </a:rPr>
-              <a:t> </a:t>
-            </a:r>
-            <a:r>
-              <a:rPr lang="zh-TW" altLang="en-US" sz="5400" b="1" dirty="0" smtClean="0">
-                <a:solidFill>
-                  <a:srgbClr val="FF0000"/>
-                </a:solidFill>
-                <a:effectLst>
-                  <a:outerShdw blurRad="38100" dist="38100" dir="2700000" algn="tl">
-                    <a:srgbClr val="000000">
-                      <a:alpha val="43137"/>
-                    </a:srgbClr>
-                  </a:outerShdw>
-                </a:effectLst>
-              </a:rPr>
-              <a:t>戰車模擬器</a:t>
-            </a:r>
-            <a:r>
-              <a:rPr lang="en-US" altLang="zh-TW" sz="5400" b="1" dirty="0" smtClean="0">
-                <a:solidFill>
-                  <a:srgbClr val="FF0000"/>
-                </a:solidFill>
-                <a:effectLst>
-                  <a:outerShdw blurRad="38100" dist="38100" dir="2700000" algn="tl">
-                    <a:srgbClr val="000000">
-                      <a:alpha val="43137"/>
-                    </a:srgbClr>
-                  </a:outerShdw>
-                </a:effectLst>
-              </a:rPr>
-              <a:t>!!</a:t>
-            </a:r>
-            <a:r>
-              <a:rPr lang="en-US" altLang="zh-TW" sz="5400" b="1" dirty="0">
-                <a:solidFill>
-                  <a:srgbClr val="FF0000"/>
-                </a:solidFill>
-                <a:effectLst>
-                  <a:outerShdw blurRad="38100" dist="38100" dir="2700000" algn="tl">
-                    <a:srgbClr val="000000">
-                      <a:alpha val="43137"/>
-                    </a:srgbClr>
-                  </a:outerShdw>
-                </a:effectLst>
-              </a:rPr>
-              <a:t>!</a:t>
+              <a:t>!!!</a:t>
             </a:r>
             <a:endParaRPr lang="zh-TW" altLang="en-US" sz="5400" b="1" dirty="0">
               <a:solidFill>
@@ -6344,7 +6264,7 @@
           <a:lstStyle/>
           <a:p>
             <a:r>
-              <a:rPr lang="zh-TW" altLang="en-US" sz="5400" b="1" dirty="0" smtClean="0">
+              <a:rPr lang="zh-TW" altLang="en-US" sz="5400" b="1" dirty="0">
                 <a:solidFill>
                   <a:schemeClr val="bg2">
                     <a:lumMod val="50000"/>
@@ -6360,20 +6280,6 @@
               </a:rPr>
               <a:t>網頁架構</a:t>
             </a:r>
-            <a:endParaRPr lang="zh-TW" altLang="en-US" sz="5400" b="1" dirty="0">
-              <a:solidFill>
-                <a:schemeClr val="bg2">
-                  <a:lumMod val="50000"/>
-                </a:schemeClr>
-              </a:solidFill>
-              <a:effectLst>
-                <a:outerShdw blurRad="38100" dist="38100" dir="2700000" algn="tl">
-                  <a:srgbClr val="000000">
-                    <a:alpha val="43137"/>
-                  </a:srgbClr>
-                </a:outerShdw>
-              </a:effectLst>
-            </a:endParaRPr>
           </a:p>
         </p:txBody>
       </p:sp>
@@ -6468,7 +6374,7 @@
           <a:lstStyle/>
           <a:p>
             <a:r>
-              <a:rPr lang="zh-TW" altLang="en-US" sz="5400" b="1" dirty="0" smtClean="0">
+              <a:rPr lang="zh-TW" altLang="en-US" sz="5400" b="1" dirty="0">
                 <a:effectLst>
                   <a:outerShdw blurRad="38100" dist="38100" dir="2700000" algn="tl">
                     <a:srgbClr val="000000">
@@ -6479,15 +6385,6 @@
               </a:rPr>
               <a:t>故事</a:t>
             </a:r>
-            <a:endParaRPr lang="zh-TW" altLang="en-US" sz="5400" b="1" dirty="0">
-              <a:effectLst>
-                <a:outerShdw blurRad="38100" dist="38100" dir="2700000" algn="tl">
-                  <a:srgbClr val="000000">
-                    <a:alpha val="43137"/>
-                  </a:srgbClr>
-                </a:outerShdw>
-              </a:effectLst>
-            </a:endParaRPr>
           </a:p>
         </p:txBody>
       </p:sp>
@@ -6510,7 +6407,7 @@
               <a:buNone/>
             </a:pPr>
             <a:r>
-              <a:rPr lang="zh-TW" altLang="en-US" b="1" dirty="0" smtClean="0">
+              <a:rPr lang="zh-TW" altLang="en-US" b="1" dirty="0">
                 <a:effectLst>
                   <a:outerShdw blurRad="38100" dist="38100" dir="2700000" algn="tl">
                     <a:srgbClr val="000000">
@@ -6522,7 +6419,7 @@
               <a:t>佑佑和阿胖是一對死黨，他們從小就一起玩、一起上學、一起長大，他們的感情可比親兄弟還更親，很幸運地，他們考上了同所大學，就在他們因此而慶祝的同時，友誼的裂痕其實正慢慢產生當中</a:t>
             </a:r>
             <a:r>
-              <a:rPr lang="en-US" altLang="zh-TW" b="1" dirty="0" smtClean="0">
+              <a:rPr lang="en-US" altLang="zh-TW" b="1" dirty="0">
                 <a:effectLst>
                   <a:outerShdw blurRad="38100" dist="38100" dir="2700000" algn="tl">
                     <a:srgbClr val="000000">
@@ -6539,7 +6436,7 @@
               <a:buNone/>
             </a:pPr>
             <a:r>
-              <a:rPr lang="zh-TW" altLang="en-US" b="1" dirty="0" smtClean="0">
+              <a:rPr lang="zh-TW" altLang="en-US" b="1" dirty="0">
                 <a:effectLst>
                   <a:outerShdw blurRad="38100" dist="38100" dir="2700000" algn="tl">
                     <a:srgbClr val="000000">
@@ -6551,7 +6448,7 @@
               <a:t>上了大學，象徵著成長與自由，不再被父母侷限的佑佑與阿胖，開始追求自己夢想中的生活，可是沒想到他們竟然喜歡上了同一個女生</a:t>
             </a:r>
             <a:r>
-              <a:rPr lang="en-US" altLang="zh-TW" b="1" dirty="0" smtClean="0">
+              <a:rPr lang="en-US" altLang="zh-TW" b="1" dirty="0">
                 <a:effectLst>
                   <a:outerShdw blurRad="38100" dist="38100" dir="2700000" algn="tl">
                     <a:srgbClr val="000000">
@@ -6563,7 +6460,7 @@
               <a:t>!!!</a:t>
             </a:r>
             <a:r>
-              <a:rPr lang="zh-TW" altLang="en-US" b="1" dirty="0" smtClean="0">
+              <a:rPr lang="zh-TW" altLang="en-US" b="1" dirty="0">
                 <a:effectLst>
                   <a:outerShdw blurRad="38100" dist="38100" dir="2700000" algn="tl">
                     <a:srgbClr val="000000">
@@ -6575,7 +6472,7 @@
               <a:t>兩個人互不相讓，最終導致友情破碎，為了爭奪這位女生，他們展開了各式各樣傷害彼此的方式，上天為了懲罰他們，將他們兩個變成了戰車，永遠不能變回人</a:t>
             </a:r>
             <a:r>
-              <a:rPr lang="en-US" altLang="zh-TW" b="1" dirty="0" smtClean="0">
+              <a:rPr lang="en-US" altLang="zh-TW" b="1" dirty="0">
                 <a:effectLst>
                   <a:outerShdw blurRad="38100" dist="38100" dir="2700000" algn="tl">
                     <a:srgbClr val="000000">
@@ -6587,7 +6484,7 @@
               <a:t>…..</a:t>
             </a:r>
             <a:r>
-              <a:rPr lang="zh-TW" altLang="en-US" b="1" dirty="0" smtClean="0">
+              <a:rPr lang="zh-TW" altLang="en-US" b="1" dirty="0">
                 <a:effectLst>
                   <a:outerShdw blurRad="38100" dist="38100" dir="2700000" algn="tl">
                     <a:srgbClr val="000000">
@@ -6598,15 +6495,6 @@
               </a:rPr>
               <a:t>。</a:t>
             </a:r>
-            <a:endParaRPr lang="zh-TW" altLang="en-US" b="1" dirty="0">
-              <a:effectLst>
-                <a:outerShdw blurRad="38100" dist="38100" dir="2700000" algn="tl">
-                  <a:srgbClr val="000000">
-                    <a:alpha val="43137"/>
-                  </a:srgbClr>
-                </a:outerShdw>
-              </a:effectLst>
-            </a:endParaRPr>
           </a:p>
         </p:txBody>
       </p:sp>
@@ -6658,7 +6546,7 @@
           <a:lstStyle/>
           <a:p>
             <a:r>
-              <a:rPr lang="zh-TW" altLang="en-US" sz="5400" b="1" dirty="0" smtClean="0">
+              <a:rPr lang="zh-TW" altLang="en-US" sz="5400" b="1" dirty="0">
                 <a:effectLst>
                   <a:outerShdw blurRad="38100" dist="38100" dir="2700000" algn="tl">
                     <a:srgbClr val="000000">
@@ -6669,15 +6557,6 @@
               </a:rPr>
               <a:t>遊玩方式</a:t>
             </a:r>
-            <a:endParaRPr lang="zh-TW" altLang="en-US" sz="5400" b="1" dirty="0">
-              <a:effectLst>
-                <a:outerShdw blurRad="38100" dist="38100" dir="2700000" algn="tl">
-                  <a:srgbClr val="000000">
-                    <a:alpha val="43137"/>
-                  </a:srgbClr>
-                </a:outerShdw>
-              </a:effectLst>
-            </a:endParaRPr>
           </a:p>
         </p:txBody>
       </p:sp>
@@ -6701,7 +6580,7 @@
               <a:buAutoNum type="arabicPeriod"/>
             </a:pPr>
             <a:r>
-              <a:rPr lang="zh-TW" altLang="en-US" b="1" dirty="0" smtClean="0">
+              <a:rPr lang="zh-TW" altLang="en-US" b="1" dirty="0">
                 <a:solidFill>
                   <a:schemeClr val="tx1"/>
                 </a:solidFill>
@@ -6716,7 +6595,7 @@
               <a:t>等待讀取結束按下</a:t>
             </a:r>
             <a:r>
-              <a:rPr lang="en-US" altLang="zh-TW" b="1" dirty="0" smtClean="0">
+              <a:rPr lang="en-US" altLang="zh-TW" b="1" dirty="0">
                 <a:solidFill>
                   <a:schemeClr val="tx1"/>
                 </a:solidFill>
@@ -6731,7 +6610,7 @@
               <a:t>start</a:t>
             </a:r>
             <a:r>
-              <a:rPr lang="zh-TW" altLang="en-US" b="1" dirty="0" smtClean="0">
+              <a:rPr lang="zh-TW" altLang="en-US" b="1" dirty="0">
                 <a:solidFill>
                   <a:schemeClr val="tx1"/>
                 </a:solidFill>
@@ -6746,7 +6625,7 @@
               <a:t>即可開始遊戲</a:t>
             </a:r>
             <a:r>
-              <a:rPr lang="en-US" altLang="zh-TW" b="1" dirty="0" smtClean="0">
+              <a:rPr lang="en-US" altLang="zh-TW" b="1" dirty="0">
                 <a:solidFill>
                   <a:schemeClr val="tx1"/>
                 </a:solidFill>
@@ -6767,7 +6646,7 @@
               <a:buAutoNum type="arabicPeriod"/>
             </a:pPr>
             <a:r>
-              <a:rPr lang="en-US" altLang="zh-TW" b="1" dirty="0" smtClean="0">
+              <a:rPr lang="en-US" altLang="zh-TW" b="1" dirty="0">
                 <a:solidFill>
                   <a:schemeClr val="tx1"/>
                 </a:solidFill>
@@ -6782,7 +6661,7 @@
               <a:t>P1</a:t>
             </a:r>
             <a:r>
-              <a:rPr lang="zh-TW" altLang="en-US" b="1" dirty="0" smtClean="0">
+              <a:rPr lang="zh-TW" altLang="en-US" b="1" dirty="0">
                 <a:solidFill>
                   <a:schemeClr val="tx1"/>
                 </a:solidFill>
@@ -6797,7 +6676,7 @@
               <a:t>以</a:t>
             </a:r>
             <a:r>
-              <a:rPr lang="en-US" altLang="zh-TW" b="1" dirty="0" smtClean="0">
+              <a:rPr lang="en-US" altLang="zh-TW" b="1" dirty="0">
                 <a:solidFill>
                   <a:schemeClr val="tx1"/>
                 </a:solidFill>
@@ -6812,7 +6691,7 @@
               <a:t>WASD</a:t>
             </a:r>
             <a:r>
-              <a:rPr lang="zh-TW" altLang="en-US" b="1" dirty="0" smtClean="0">
+              <a:rPr lang="zh-TW" altLang="en-US" b="1" dirty="0">
                 <a:solidFill>
                   <a:schemeClr val="tx1"/>
                 </a:solidFill>
@@ -6827,7 +6706,7 @@
               <a:t>操控方向</a:t>
             </a:r>
             <a:r>
-              <a:rPr lang="en-US" altLang="zh-TW" b="1" dirty="0" smtClean="0">
+              <a:rPr lang="en-US" altLang="zh-TW" b="1" dirty="0">
                 <a:solidFill>
                   <a:schemeClr val="tx1"/>
                 </a:solidFill>
@@ -6842,7 +6721,7 @@
               <a:t>QE</a:t>
             </a:r>
             <a:r>
-              <a:rPr lang="zh-TW" altLang="en-US" b="1" dirty="0" smtClean="0">
+              <a:rPr lang="zh-TW" altLang="en-US" b="1" dirty="0">
                 <a:solidFill>
                   <a:schemeClr val="tx1"/>
                 </a:solidFill>
@@ -6857,7 +6736,7 @@
               <a:t>操控砲台方向</a:t>
             </a:r>
             <a:r>
-              <a:rPr lang="en-US" altLang="zh-TW" b="1" dirty="0" smtClean="0">
+              <a:rPr lang="en-US" altLang="zh-TW" b="1" dirty="0">
                 <a:solidFill>
                   <a:schemeClr val="tx1"/>
                 </a:solidFill>
@@ -6872,7 +6751,7 @@
               <a:t>SPACE</a:t>
             </a:r>
             <a:r>
-              <a:rPr lang="zh-TW" altLang="en-US" b="1" dirty="0" smtClean="0">
+              <a:rPr lang="zh-TW" altLang="en-US" b="1" dirty="0">
                 <a:solidFill>
                   <a:schemeClr val="tx1"/>
                 </a:solidFill>
@@ -6885,21 +6764,6 @@
                 </a:effectLst>
               </a:rPr>
               <a:t>開火</a:t>
-            </a:r>
-            <a:r>
-              <a:rPr lang="en-US" altLang="zh-TW" b="1" dirty="0">
-                <a:solidFill>
-                  <a:schemeClr val="tx1"/>
-                </a:solidFill>
-                <a:effectLst>
-                  <a:outerShdw blurRad="38100" dist="38100" dir="2700000" algn="tl">
-                    <a:srgbClr val="000000">
-                      <a:alpha val="43137"/>
-                    </a:srgbClr>
-                  </a:outerShdw>
-                </a:effectLst>
-              </a:rPr>
-              <a:t/>
             </a:r>
             <a:br>
               <a:rPr lang="en-US" altLang="zh-TW" b="1" dirty="0">
@@ -6916,7 +6780,7 @@
               </a:rPr>
             </a:br>
             <a:r>
-              <a:rPr lang="en-US" altLang="zh-TW" b="1" dirty="0" smtClean="0">
+              <a:rPr lang="en-US" altLang="zh-TW" b="1" dirty="0">
                 <a:solidFill>
                   <a:schemeClr val="tx1"/>
                 </a:solidFill>
@@ -6931,7 +6795,7 @@
               <a:t>P2</a:t>
             </a:r>
             <a:r>
-              <a:rPr lang="zh-TW" altLang="en-US" b="1" dirty="0" smtClean="0">
+              <a:rPr lang="zh-TW" altLang="en-US" b="1" dirty="0">
                 <a:solidFill>
                   <a:schemeClr val="tx1"/>
                 </a:solidFill>
@@ -6946,7 +6810,7 @@
               <a:t>以數字鍵</a:t>
             </a:r>
             <a:r>
-              <a:rPr lang="en-US" altLang="zh-TW" b="1" dirty="0" smtClean="0">
+              <a:rPr lang="en-US" altLang="zh-TW" b="1" dirty="0">
                 <a:solidFill>
                   <a:schemeClr val="tx1"/>
                 </a:solidFill>
@@ -6961,7 +6825,7 @@
               <a:t>8456</a:t>
             </a:r>
             <a:r>
-              <a:rPr lang="zh-TW" altLang="en-US" b="1" dirty="0" smtClean="0">
+              <a:rPr lang="zh-TW" altLang="en-US" b="1" dirty="0">
                 <a:solidFill>
                   <a:schemeClr val="tx1"/>
                 </a:solidFill>
@@ -6976,7 +6840,7 @@
               <a:t>操控方向</a:t>
             </a:r>
             <a:r>
-              <a:rPr lang="en-US" altLang="zh-TW" b="1" dirty="0" smtClean="0">
+              <a:rPr lang="en-US" altLang="zh-TW" b="1" dirty="0">
                 <a:solidFill>
                   <a:schemeClr val="tx1"/>
                 </a:solidFill>
@@ -6991,7 +6855,7 @@
               <a:t>79</a:t>
             </a:r>
             <a:r>
-              <a:rPr lang="zh-TW" altLang="en-US" b="1" dirty="0" smtClean="0">
+              <a:rPr lang="zh-TW" altLang="en-US" b="1" dirty="0">
                 <a:solidFill>
                   <a:schemeClr val="tx1"/>
                 </a:solidFill>
@@ -7006,7 +6870,7 @@
               <a:t>操控砲台方向</a:t>
             </a:r>
             <a:r>
-              <a:rPr lang="en-US" altLang="zh-TW" b="1" dirty="0" smtClean="0">
+              <a:rPr lang="en-US" altLang="zh-TW" b="1" dirty="0">
                 <a:solidFill>
                   <a:schemeClr val="tx1"/>
                 </a:solidFill>
@@ -7021,7 +6885,7 @@
               <a:t>Enter</a:t>
             </a:r>
             <a:r>
-              <a:rPr lang="zh-TW" altLang="en-US" b="1" dirty="0" smtClean="0">
+              <a:rPr lang="zh-TW" altLang="en-US" b="1" dirty="0">
                 <a:solidFill>
                   <a:schemeClr val="tx1"/>
                 </a:solidFill>
@@ -7035,7 +6899,7 @@
               </a:rPr>
               <a:t>開火</a:t>
             </a:r>
-            <a:endParaRPr lang="en-US" altLang="zh-TW" b="1" dirty="0" smtClean="0">
+            <a:endParaRPr lang="en-US" altLang="zh-TW" b="1" dirty="0">
               <a:solidFill>
                 <a:schemeClr val="tx1"/>
               </a:solidFill>
@@ -7054,7 +6918,7 @@
               <a:buAutoNum type="arabicPeriod"/>
             </a:pPr>
             <a:r>
-              <a:rPr lang="zh-TW" altLang="en-US" b="1" dirty="0" smtClean="0">
+              <a:rPr lang="zh-TW" altLang="en-US" b="1" dirty="0">
                 <a:solidFill>
                   <a:schemeClr val="tx1"/>
                 </a:solidFill>
@@ -7069,7 +6933,7 @@
               <a:t>先將對方的血條歸零，即可獲得勝利</a:t>
             </a:r>
             <a:r>
-              <a:rPr lang="en-US" altLang="zh-TW" b="1" dirty="0" smtClean="0">
+              <a:rPr lang="en-US" altLang="zh-TW" b="1" dirty="0">
                 <a:solidFill>
                   <a:schemeClr val="tx1"/>
                 </a:solidFill>
@@ -7088,7 +6952,7 @@
             <a:pPr marL="0" indent="0">
               <a:buNone/>
             </a:pPr>
-            <a:endParaRPr lang="en-US" altLang="zh-TW" dirty="0" smtClean="0">
+            <a:endParaRPr lang="en-US" altLang="zh-TW" dirty="0">
               <a:solidFill>
                 <a:schemeClr val="tx1"/>
               </a:solidFill>
@@ -7144,18 +7008,6 @@
           <a:lstStyle/>
           <a:p>
             <a:r>
-              <a:rPr lang="zh-TW" altLang="en-US" sz="5400" b="1" dirty="0" smtClean="0">
-                <a:effectLst>
-                  <a:outerShdw blurRad="38100" dist="38100" dir="2700000" algn="tl">
-                    <a:srgbClr val="000000">
-                      <a:alpha val="43137"/>
-                    </a:srgbClr>
-                  </a:outerShdw>
-                </a:effectLst>
-              </a:rPr>
-              <a:t>網站特</a:t>
-            </a:r>
-            <a:r>
               <a:rPr lang="zh-TW" altLang="en-US" sz="5400" b="1" dirty="0">
                 <a:effectLst>
                   <a:outerShdw blurRad="38100" dist="38100" dir="2700000" algn="tl">
@@ -7165,7 +7017,7 @@
                   </a:outerShdw>
                 </a:effectLst>
               </a:rPr>
-              <a:t>色</a:t>
+              <a:t>網站特色</a:t>
             </a:r>
           </a:p>
         </p:txBody>
@@ -7190,7 +7042,7 @@
               <a:buAutoNum type="arabicPeriod"/>
             </a:pPr>
             <a:r>
-              <a:rPr lang="zh-TW" altLang="en-US" b="1" dirty="0" smtClean="0">
+              <a:rPr lang="zh-TW" altLang="en-US" b="1" dirty="0">
                 <a:effectLst>
                   <a:outerShdw blurRad="38100" dist="38100" dir="2700000" algn="tl">
                     <a:srgbClr val="000000">
@@ -7202,7 +7054,7 @@
               <a:t>不同以往的的戰車遊戲，只能對</a:t>
             </a:r>
             <a:r>
-              <a:rPr lang="en-US" altLang="zh-TW" b="1" dirty="0" smtClean="0">
+              <a:rPr lang="en-US" altLang="zh-TW" b="1" dirty="0">
                 <a:effectLst>
                   <a:outerShdw blurRad="38100" dist="38100" dir="2700000" algn="tl">
                     <a:srgbClr val="000000">
@@ -7214,7 +7066,7 @@
               <a:t>bot</a:t>
             </a:r>
             <a:r>
-              <a:rPr lang="zh-TW" altLang="en-US" b="1" dirty="0" smtClean="0">
+              <a:rPr lang="zh-TW" altLang="en-US" b="1" dirty="0">
                 <a:effectLst>
                   <a:outerShdw blurRad="38100" dist="38100" dir="2700000" algn="tl">
                     <a:srgbClr val="000000">
@@ -7226,7 +7078,7 @@
               <a:t>打架，這個遊戲能跟朋友互相對打</a:t>
             </a:r>
             <a:r>
-              <a:rPr lang="en-US" altLang="zh-TW" b="1" dirty="0" smtClean="0">
+              <a:rPr lang="en-US" altLang="zh-TW" b="1" dirty="0">
                 <a:effectLst>
                   <a:outerShdw blurRad="38100" dist="38100" dir="2700000" algn="tl">
                     <a:srgbClr val="000000">
@@ -7244,7 +7096,7 @@
               <a:buAutoNum type="arabicPeriod"/>
             </a:pPr>
             <a:r>
-              <a:rPr lang="zh-TW" altLang="en-US" b="1" dirty="0" smtClean="0">
+              <a:rPr lang="zh-TW" altLang="en-US" b="1" dirty="0">
                 <a:effectLst>
                   <a:outerShdw blurRad="38100" dist="38100" dir="2700000" algn="tl">
                     <a:srgbClr val="000000">
@@ -7255,7 +7107,7 @@
               </a:rPr>
               <a:t>有三張地圖，分別是早上、傍晚以及晚上，進入遊戲時隨機出現，使畫面更具豐富性</a:t>
             </a:r>
-            <a:endParaRPr lang="en-US" altLang="zh-TW" b="1" dirty="0" smtClean="0">
+            <a:endParaRPr lang="en-US" altLang="zh-TW" b="1" dirty="0">
               <a:effectLst>
                 <a:outerShdw blurRad="38100" dist="38100" dir="2700000" algn="tl">
                   <a:srgbClr val="000000">
@@ -7271,7 +7123,7 @@
               <a:buAutoNum type="arabicPeriod"/>
             </a:pPr>
             <a:r>
-              <a:rPr lang="zh-TW" altLang="en-US" b="1" dirty="0" smtClean="0">
+              <a:rPr lang="zh-TW" altLang="en-US" b="1" dirty="0">
                 <a:effectLst>
                   <a:outerShdw blurRad="38100" dist="38100" dir="2700000" algn="tl">
                     <a:srgbClr val="000000">
@@ -7283,7 +7135,7 @@
               <a:t>套用了許多字體以及使用了許多</a:t>
             </a:r>
             <a:r>
-              <a:rPr lang="en-US" altLang="zh-TW" b="1" dirty="0" smtClean="0">
+              <a:rPr lang="en-US" altLang="zh-TW" b="1" dirty="0">
                 <a:effectLst>
                   <a:outerShdw blurRad="38100" dist="38100" dir="2700000" algn="tl">
                     <a:srgbClr val="000000">
@@ -7295,7 +7147,7 @@
               <a:t>CSS</a:t>
             </a:r>
             <a:r>
-              <a:rPr lang="zh-TW" altLang="en-US" b="1" dirty="0" smtClean="0">
+              <a:rPr lang="zh-TW" altLang="en-US" b="1" dirty="0">
                 <a:effectLst>
                   <a:outerShdw blurRad="38100" dist="38100" dir="2700000" algn="tl">
                     <a:srgbClr val="000000">
@@ -7306,7 +7158,7 @@
               </a:rPr>
               <a:t>，讓畫面更加精緻</a:t>
             </a:r>
-            <a:endParaRPr lang="en-US" altLang="zh-TW" b="1" dirty="0" smtClean="0">
+            <a:endParaRPr lang="en-US" altLang="zh-TW" b="1" dirty="0">
               <a:effectLst>
                 <a:outerShdw blurRad="38100" dist="38100" dir="2700000" algn="tl">
                   <a:srgbClr val="000000">
@@ -7380,7 +7232,7 @@
           <a:lstStyle/>
           <a:p>
             <a:r>
-              <a:rPr lang="zh-TW" altLang="en-US" sz="5400" b="1" dirty="0" smtClean="0">
+              <a:rPr lang="zh-TW" altLang="en-US" sz="5400" b="1" dirty="0">
                 <a:effectLst>
                   <a:outerShdw blurRad="38100" dist="38100" dir="2700000" algn="tl">
                     <a:srgbClr val="000000">
@@ -7391,15 +7243,6 @@
               </a:rPr>
               <a:t>相關技術</a:t>
             </a:r>
-            <a:endParaRPr lang="zh-TW" altLang="en-US" sz="5400" b="1" dirty="0">
-              <a:effectLst>
-                <a:outerShdw blurRad="38100" dist="38100" dir="2700000" algn="tl">
-                  <a:srgbClr val="000000">
-                    <a:alpha val="43137"/>
-                  </a:srgbClr>
-                </a:outerShdw>
-              </a:effectLst>
-            </a:endParaRPr>
           </a:p>
         </p:txBody>
       </p:sp>
@@ -7448,7 +7291,7 @@
               <a:buNone/>
             </a:pPr>
             <a:r>
-              <a:rPr lang="en-US" altLang="zh-TW" sz="2800" b="1" dirty="0" smtClean="0">
+              <a:rPr lang="en-US" altLang="zh-TW" sz="2800" b="1" dirty="0">
                 <a:effectLst>
                   <a:outerShdw blurRad="38100" dist="38100" dir="2700000" algn="tl">
                     <a:srgbClr val="000000">
@@ -7461,17 +7304,6 @@
               </a:rPr>
               <a:t>CSS</a:t>
             </a:r>
-            <a:endParaRPr lang="en-US" altLang="zh-TW" sz="2800" b="1" dirty="0">
-              <a:effectLst>
-                <a:outerShdw blurRad="38100" dist="38100" dir="2700000" algn="tl">
-                  <a:srgbClr val="000000">
-                    <a:alpha val="43137"/>
-                  </a:srgbClr>
-                </a:outerShdw>
-              </a:effectLst>
-              <a:latin typeface="+mj-ea"/>
-              <a:ea typeface="+mj-ea"/>
-            </a:endParaRPr>
           </a:p>
           <a:p>
             <a:pPr marL="0" indent="0" algn="ctr">
@@ -7565,10 +7397,15 @@
                 <a:latin typeface="+mj-ea"/>
                 <a:ea typeface="+mj-ea"/>
               </a:rPr>
-              <a:t>jQuery </a:t>
-            </a:r>
-            <a:r>
-              <a:rPr lang="en-US" altLang="zh-TW" sz="2800" b="1" dirty="0" smtClean="0">
+              <a:t>jQuery UI</a:t>
+            </a:r>
+          </a:p>
+          <a:p>
+            <a:pPr marL="0" indent="0" algn="ctr">
+              <a:buNone/>
+            </a:pPr>
+            <a:r>
+              <a:rPr lang="en-US" altLang="zh-TW" sz="2800" b="1" dirty="0">
                 <a:effectLst>
                   <a:outerShdw blurRad="38100" dist="38100" dir="2700000" algn="tl">
                     <a:srgbClr val="000000">
@@ -7579,7 +7416,7 @@
                 <a:latin typeface="+mj-ea"/>
                 <a:ea typeface="+mj-ea"/>
               </a:rPr>
-              <a:t>UI</a:t>
+              <a:t>Facebook API</a:t>
             </a:r>
           </a:p>
           <a:p>
@@ -7587,7 +7424,7 @@
               <a:buNone/>
             </a:pPr>
             <a:r>
-              <a:rPr lang="en-US" altLang="zh-TW" sz="2800" b="1" dirty="0" smtClean="0">
+              <a:rPr lang="en-US" altLang="zh-TW" sz="2800" b="1" dirty="0">
                 <a:effectLst>
                   <a:outerShdw blurRad="38100" dist="38100" dir="2700000" algn="tl">
                     <a:srgbClr val="000000">
@@ -7598,40 +7435,7 @@
                 <a:latin typeface="+mj-ea"/>
                 <a:ea typeface="+mj-ea"/>
               </a:rPr>
-              <a:t>Facebook API</a:t>
-            </a:r>
-          </a:p>
-          <a:p>
-            <a:pPr marL="0" indent="0" algn="ctr">
-              <a:buNone/>
-            </a:pPr>
-            <a:r>
-              <a:rPr lang="en-US" altLang="zh-TW" sz="2800" b="1" dirty="0">
-                <a:effectLst>
-                  <a:outerShdw blurRad="38100" dist="38100" dir="2700000" algn="tl">
-                    <a:srgbClr val="000000">
-                      <a:alpha val="43137"/>
-                    </a:srgbClr>
-                  </a:outerShdw>
-                </a:effectLst>
-                <a:latin typeface="+mj-ea"/>
-                <a:ea typeface="+mj-ea"/>
-              </a:rPr>
-              <a:t>l</a:t>
-            </a:r>
-            <a:r>
-              <a:rPr lang="en-US" altLang="zh-TW" sz="2800" b="1" dirty="0" smtClean="0">
-                <a:effectLst>
-                  <a:outerShdw blurRad="38100" dist="38100" dir="2700000" algn="tl">
-                    <a:srgbClr val="000000">
-                      <a:alpha val="43137"/>
-                    </a:srgbClr>
-                  </a:outerShdw>
-                </a:effectLst>
-                <a:latin typeface="+mj-ea"/>
-                <a:ea typeface="+mj-ea"/>
-              </a:rPr>
-              <a:t>ayer.js</a:t>
+              <a:t>layer.js</a:t>
             </a:r>
           </a:p>
           <a:p>
@@ -7698,7 +7502,7 @@
           <a:lstStyle/>
           <a:p>
             <a:r>
-              <a:rPr lang="zh-TW" altLang="en-US" b="1" dirty="0" smtClean="0">
+              <a:rPr lang="zh-TW" altLang="en-US" b="1" dirty="0">
                 <a:effectLst>
                   <a:outerShdw blurRad="38100" dist="38100" dir="2700000" algn="tl">
                     <a:srgbClr val="000000">
@@ -7742,10 +7546,10 @@
                 <a:latin typeface="+mj-ea"/>
                 <a:hlinkClick r:id="rId2"/>
               </a:rPr>
-              <a:t>http://</a:t>
-            </a:r>
-            <a:r>
-              <a:rPr lang="en-US" altLang="zh-TW" sz="2000" b="1" dirty="0" smtClean="0">
+              <a:t>http://www.jq22.com/daima20</a:t>
+            </a:r>
+            <a:r>
+              <a:rPr lang="en-US" altLang="zh-TW" sz="2000" b="1" dirty="0">
                 <a:effectLst>
                   <a:outerShdw blurRad="38100" dist="38100" dir="2700000" algn="tl">
                     <a:srgbClr val="000000">
@@ -7754,12 +7558,11 @@
                   </a:outerShdw>
                 </a:effectLst>
                 <a:latin typeface="+mj-ea"/>
-                <a:hlinkClick r:id="rId2"/>
-              </a:rPr>
-              <a:t>www.jq22.com/daima20</a:t>
-            </a:r>
-            <a:r>
-              <a:rPr lang="en-US" altLang="zh-TW" sz="2000" b="1" dirty="0" smtClean="0">
+              </a:rPr>
+              <a:t> (</a:t>
+            </a:r>
+            <a:r>
+              <a:rPr lang="en-US" altLang="zh-TW" sz="2000" b="1" dirty="0" err="1">
                 <a:effectLst>
                   <a:outerShdw blurRad="38100" dist="38100" dir="2700000" algn="tl">
                     <a:srgbClr val="000000">
@@ -7769,23 +7572,10 @@
                 </a:effectLst>
                 <a:latin typeface="+mj-ea"/>
               </a:rPr>
-              <a:t> (</a:t>
-            </a:r>
-            <a:r>
-              <a:rPr lang="en-US" altLang="zh-TW" sz="2000" b="1" dirty="0" err="1" smtClean="0">
-                <a:effectLst>
-                  <a:outerShdw blurRad="38100" dist="38100" dir="2700000" algn="tl">
-                    <a:srgbClr val="000000">
-                      <a:alpha val="43137"/>
-                    </a:srgbClr>
-                  </a:outerShdw>
-                </a:effectLst>
-                <a:latin typeface="+mj-ea"/>
-              </a:rPr>
               <a:t>css</a:t>
             </a:r>
             <a:r>
-              <a:rPr lang="en-US" altLang="zh-TW" sz="2000" b="1" dirty="0" smtClean="0">
+              <a:rPr lang="en-US" altLang="zh-TW" sz="2000" b="1" dirty="0">
                 <a:effectLst>
                   <a:outerShdw blurRad="38100" dist="38100" dir="2700000" algn="tl">
                     <a:srgbClr val="000000">
@@ -7811,10 +7601,10 @@
                 <a:latin typeface="+mj-ea"/>
                 <a:hlinkClick r:id="rId3"/>
               </a:rPr>
-              <a:t>https://</a:t>
-            </a:r>
-            <a:r>
-              <a:rPr lang="en-US" altLang="zh-TW" sz="2000" b="1" dirty="0" smtClean="0">
+              <a:t>https://www.jianshu.com/p/9b6d1b363f82</a:t>
+            </a:r>
+            <a:r>
+              <a:rPr lang="zh-TW" altLang="en-US" sz="2000" b="1" dirty="0">
                 <a:effectLst>
                   <a:outerShdw blurRad="38100" dist="38100" dir="2700000" algn="tl">
                     <a:srgbClr val="000000">
@@ -7823,12 +7613,11 @@
                   </a:outerShdw>
                 </a:effectLst>
                 <a:latin typeface="+mj-ea"/>
-                <a:hlinkClick r:id="rId3"/>
-              </a:rPr>
-              <a:t>www.jianshu.com/p/9b6d1b363f82</a:t>
-            </a:r>
-            <a:r>
-              <a:rPr lang="zh-TW" altLang="en-US" sz="2000" b="1" dirty="0" smtClean="0">
+              </a:rPr>
+              <a:t> </a:t>
+            </a:r>
+            <a:r>
+              <a:rPr lang="en-US" altLang="zh-TW" sz="2000" b="1" dirty="0">
                 <a:effectLst>
                   <a:outerShdw blurRad="38100" dist="38100" dir="2700000" algn="tl">
                     <a:srgbClr val="000000">
@@ -7838,10 +7627,10 @@
                 </a:effectLst>
                 <a:latin typeface="+mj-ea"/>
               </a:rPr>
-              <a:t> </a:t>
-            </a:r>
-            <a:r>
-              <a:rPr lang="en-US" altLang="zh-TW" sz="2000" b="1" dirty="0" smtClean="0">
+              <a:t>(</a:t>
+            </a:r>
+            <a:r>
+              <a:rPr lang="zh-TW" altLang="en-US" sz="2000" b="1" dirty="0">
                 <a:effectLst>
                   <a:outerShdw blurRad="38100" dist="38100" dir="2700000" algn="tl">
                     <a:srgbClr val="000000">
@@ -7851,23 +7640,10 @@
                 </a:effectLst>
                 <a:latin typeface="+mj-ea"/>
               </a:rPr>
-              <a:t>(</a:t>
-            </a:r>
-            <a:r>
-              <a:rPr lang="zh-TW" altLang="en-US" sz="2000" b="1" dirty="0" smtClean="0">
-                <a:effectLst>
-                  <a:outerShdw blurRad="38100" dist="38100" dir="2700000" algn="tl">
-                    <a:srgbClr val="000000">
-                      <a:alpha val="43137"/>
-                    </a:srgbClr>
-                  </a:outerShdw>
-                </a:effectLst>
-                <a:latin typeface="+mj-ea"/>
-              </a:rPr>
               <a:t>多按鍵偵測</a:t>
             </a:r>
             <a:r>
-              <a:rPr lang="en-US" altLang="zh-TW" sz="2000" b="1" dirty="0" smtClean="0">
+              <a:rPr lang="en-US" altLang="zh-TW" sz="2000" b="1" dirty="0">
                 <a:effectLst>
                   <a:outerShdw blurRad="38100" dist="38100" dir="2700000" algn="tl">
                     <a:srgbClr val="000000">
@@ -7893,10 +7669,10 @@
                 <a:latin typeface="+mj-ea"/>
                 <a:hlinkClick r:id="rId4"/>
               </a:rPr>
-              <a:t>https://threejs.org/examples</a:t>
-            </a:r>
-            <a:r>
-              <a:rPr lang="en-US" altLang="zh-TW" sz="2000" b="1" dirty="0" smtClean="0">
+              <a:t>https://threejs.org/examples/</a:t>
+            </a:r>
+            <a:r>
+              <a:rPr lang="zh-TW" altLang="en-US" sz="2000" b="1" dirty="0">
                 <a:effectLst>
                   <a:outerShdw blurRad="38100" dist="38100" dir="2700000" algn="tl">
                     <a:srgbClr val="000000">
@@ -7905,25 +7681,11 @@
                   </a:outerShdw>
                 </a:effectLst>
                 <a:latin typeface="+mj-ea"/>
-                <a:hlinkClick r:id="rId4"/>
-              </a:rPr>
-              <a:t>/</a:t>
-            </a:r>
-            <a:r>
-              <a:rPr lang="zh-TW" altLang="en-US" sz="2000" b="1" dirty="0" smtClean="0">
-                <a:effectLst>
-                  <a:outerShdw blurRad="38100" dist="38100" dir="2700000" algn="tl">
-                    <a:srgbClr val="000000">
-                      <a:alpha val="43137"/>
-                    </a:srgbClr>
-                  </a:outerShdw>
-                </a:effectLst>
-                <a:latin typeface="+mj-ea"/>
               </a:rPr>
               <a:t> </a:t>
             </a:r>
             <a:r>
-              <a:rPr lang="en-US" altLang="zh-TW" sz="2000" b="1" dirty="0" smtClean="0">
+              <a:rPr lang="en-US" altLang="zh-TW" sz="2000" b="1" dirty="0">
                 <a:effectLst>
                   <a:outerShdw blurRad="38100" dist="38100" dir="2700000" algn="tl">
                     <a:srgbClr val="000000">
@@ -7949,10 +7711,10 @@
                 <a:latin typeface="+mj-ea"/>
                 <a:hlinkClick r:id="rId5"/>
               </a:rPr>
-              <a:t>https://free3d.com</a:t>
-            </a:r>
-            <a:r>
-              <a:rPr lang="en-US" altLang="zh-TW" sz="2000" b="1" dirty="0" smtClean="0">
+              <a:t>https://free3d.com/</a:t>
+            </a:r>
+            <a:r>
+              <a:rPr lang="zh-TW" altLang="en-US" sz="2000" b="1" dirty="0">
                 <a:effectLst>
                   <a:outerShdw blurRad="38100" dist="38100" dir="2700000" algn="tl">
                     <a:srgbClr val="000000">
@@ -7961,25 +7723,11 @@
                   </a:outerShdw>
                 </a:effectLst>
                 <a:latin typeface="+mj-ea"/>
-                <a:hlinkClick r:id="rId5"/>
-              </a:rPr>
-              <a:t>/</a:t>
-            </a:r>
-            <a:r>
-              <a:rPr lang="zh-TW" altLang="en-US" sz="2000" b="1" dirty="0" smtClean="0">
-                <a:effectLst>
-                  <a:outerShdw blurRad="38100" dist="38100" dir="2700000" algn="tl">
-                    <a:srgbClr val="000000">
-                      <a:alpha val="43137"/>
-                    </a:srgbClr>
-                  </a:outerShdw>
-                </a:effectLst>
-                <a:latin typeface="+mj-ea"/>
               </a:rPr>
               <a:t> </a:t>
             </a:r>
             <a:r>
-              <a:rPr lang="en-US" altLang="zh-TW" sz="2000" b="1" dirty="0" smtClean="0">
+              <a:rPr lang="en-US" altLang="zh-TW" sz="2000" b="1" dirty="0">
                 <a:effectLst>
                   <a:outerShdw blurRad="38100" dist="38100" dir="2700000" algn="tl">
                     <a:srgbClr val="000000">
@@ -8005,10 +7753,10 @@
                 <a:latin typeface="+mj-ea"/>
                 <a:hlinkClick r:id="rId6"/>
               </a:rPr>
-              <a:t>https://</a:t>
-            </a:r>
-            <a:r>
-              <a:rPr lang="en-US" altLang="zh-TW" sz="2000" b="1" dirty="0" smtClean="0">
+              <a:t>https://www.dafont.com/ttf.d592</a:t>
+            </a:r>
+            <a:r>
+              <a:rPr lang="zh-TW" altLang="en-US" sz="2000" b="1" dirty="0">
                 <a:effectLst>
                   <a:outerShdw blurRad="38100" dist="38100" dir="2700000" algn="tl">
                     <a:srgbClr val="000000">
@@ -8017,12 +7765,11 @@
                   </a:outerShdw>
                 </a:effectLst>
                 <a:latin typeface="+mj-ea"/>
-                <a:hlinkClick r:id="rId6"/>
-              </a:rPr>
-              <a:t>www.dafont.com/ttf.d592</a:t>
-            </a:r>
-            <a:r>
-              <a:rPr lang="zh-TW" altLang="en-US" sz="2000" b="1" dirty="0" smtClean="0">
+              </a:rPr>
+              <a:t> </a:t>
+            </a:r>
+            <a:r>
+              <a:rPr lang="en-US" altLang="zh-TW" sz="2000" b="1" dirty="0">
                 <a:effectLst>
                   <a:outerShdw blurRad="38100" dist="38100" dir="2700000" algn="tl">
                     <a:srgbClr val="000000">
@@ -8032,10 +7779,10 @@
                 </a:effectLst>
                 <a:latin typeface="+mj-ea"/>
               </a:rPr>
-              <a:t> </a:t>
-            </a:r>
-            <a:r>
-              <a:rPr lang="en-US" altLang="zh-TW" sz="2000" b="1" dirty="0" smtClean="0">
+              <a:t>(</a:t>
+            </a:r>
+            <a:r>
+              <a:rPr lang="en-US" altLang="zh-TW" sz="2000" b="1" dirty="0" err="1">
                 <a:effectLst>
                   <a:outerShdw blurRad="38100" dist="38100" dir="2700000" algn="tl">
                     <a:srgbClr val="000000">
@@ -8045,23 +7792,10 @@
                 </a:effectLst>
                 <a:latin typeface="+mj-ea"/>
               </a:rPr>
-              <a:t>(</a:t>
-            </a:r>
-            <a:r>
-              <a:rPr lang="en-US" altLang="zh-TW" sz="2000" b="1" dirty="0" err="1" smtClean="0">
-                <a:effectLst>
-                  <a:outerShdw blurRad="38100" dist="38100" dir="2700000" algn="tl">
-                    <a:srgbClr val="000000">
-                      <a:alpha val="43137"/>
-                    </a:srgbClr>
-                  </a:outerShdw>
-                </a:effectLst>
-                <a:latin typeface="+mj-ea"/>
-              </a:rPr>
               <a:t>ttf</a:t>
             </a:r>
             <a:r>
-              <a:rPr lang="en-US" altLang="zh-TW" sz="2000" b="1" dirty="0" smtClean="0">
+              <a:rPr lang="en-US" altLang="zh-TW" sz="2000" b="1" dirty="0">
                 <a:effectLst>
                   <a:outerShdw blurRad="38100" dist="38100" dir="2700000" algn="tl">
                     <a:srgbClr val="000000">
@@ -8087,24 +7821,10 @@
                 <a:latin typeface="+mj-ea"/>
                 <a:hlinkClick r:id="rId7"/>
               </a:rPr>
-              <a:t>http://</a:t>
-            </a:r>
-            <a:r>
-              <a:rPr lang="en-US" altLang="zh-TW" sz="2000" b="1" dirty="0" smtClean="0">
-                <a:effectLst>
-                  <a:outerShdw blurRad="38100" dist="38100" dir="2700000" algn="tl">
-                    <a:srgbClr val="000000">
-                      <a:alpha val="43137"/>
-                    </a:srgbClr>
-                  </a:outerShdw>
-                </a:effectLst>
-                <a:latin typeface="+mj-ea"/>
-                <a:hlinkClick r:id="rId7"/>
-              </a:rPr>
-              <a:t>www.layui.com/doc/modules/layer.html</a:t>
-            </a:r>
-            <a:r>
-              <a:rPr lang="en-US" altLang="zh-TW" sz="2000" b="1" dirty="0" smtClean="0">
+              <a:t>http://www.layui.com/doc/modules/layer.html</a:t>
+            </a:r>
+            <a:r>
+              <a:rPr lang="en-US" altLang="zh-TW" sz="2000" b="1" dirty="0">
                 <a:effectLst>
                   <a:outerShdw blurRad="38100" dist="38100" dir="2700000" algn="tl">
                     <a:srgbClr val="000000">
@@ -8130,10 +7850,10 @@
                 <a:latin typeface="+mj-ea"/>
                 <a:hlinkClick r:id="rId8"/>
               </a:rPr>
-              <a:t>https://</a:t>
-            </a:r>
-            <a:r>
-              <a:rPr lang="en-US" altLang="zh-TW" sz="2000" b="1" dirty="0" smtClean="0">
+              <a:t>https://developers.facebook.com/docs/plugins/share-button?locale=zh_TW</a:t>
+            </a:r>
+            <a:r>
+              <a:rPr lang="en-US" altLang="zh-TW" sz="2000" b="1" dirty="0">
                 <a:effectLst>
                   <a:outerShdw blurRad="38100" dist="38100" dir="2700000" algn="tl">
                     <a:srgbClr val="000000">
@@ -8142,12 +7862,11 @@
                   </a:outerShdw>
                 </a:effectLst>
                 <a:latin typeface="+mj-ea"/>
-                <a:hlinkClick r:id="rId8"/>
-              </a:rPr>
-              <a:t>developers.facebook.com/docs/plugins/share-button?locale=zh_TW</a:t>
-            </a:r>
-            <a:r>
-              <a:rPr lang="en-US" altLang="zh-TW" sz="2000" b="1" dirty="0" smtClean="0">
+              </a:rPr>
+              <a:t> (</a:t>
+            </a:r>
+            <a:r>
+              <a:rPr lang="en-US" altLang="zh-TW" sz="2000" b="1" dirty="0" err="1">
                 <a:effectLst>
                   <a:outerShdw blurRad="38100" dist="38100" dir="2700000" algn="tl">
                     <a:srgbClr val="000000">
@@ -8157,10 +7876,10 @@
                 </a:effectLst>
                 <a:latin typeface="+mj-ea"/>
               </a:rPr>
-              <a:t> (</a:t>
-            </a:r>
-            <a:r>
-              <a:rPr lang="en-US" altLang="zh-TW" sz="2000" b="1" dirty="0" err="1" smtClean="0">
+              <a:t>facebook</a:t>
+            </a:r>
+            <a:r>
+              <a:rPr lang="en-US" altLang="zh-TW" sz="2000" b="1" dirty="0">
                 <a:effectLst>
                   <a:outerShdw blurRad="38100" dist="38100" dir="2700000" algn="tl">
                     <a:srgbClr val="000000">
@@ -8170,31 +7889,8 @@
                 </a:effectLst>
                 <a:latin typeface="+mj-ea"/>
               </a:rPr>
-              <a:t>facebook</a:t>
-            </a:r>
-            <a:r>
-              <a:rPr lang="en-US" altLang="zh-TW" sz="2000" b="1" dirty="0" smtClean="0">
-                <a:effectLst>
-                  <a:outerShdw blurRad="38100" dist="38100" dir="2700000" algn="tl">
-                    <a:srgbClr val="000000">
-                      <a:alpha val="43137"/>
-                    </a:srgbClr>
-                  </a:outerShdw>
-                </a:effectLst>
-                <a:latin typeface="+mj-ea"/>
-              </a:rPr>
               <a:t>)</a:t>
             </a:r>
-            <a:endParaRPr lang="en-US" altLang="zh-TW" sz="2000" b="1" dirty="0">
-              <a:effectLst>
-                <a:outerShdw blurRad="38100" dist="38100" dir="2700000" algn="tl">
-                  <a:srgbClr val="000000">
-                    <a:alpha val="43137"/>
-                  </a:srgbClr>
-                </a:outerShdw>
-              </a:effectLst>
-              <a:latin typeface="+mj-ea"/>
-            </a:endParaRPr>
           </a:p>
         </p:txBody>
       </p:sp>
@@ -8246,7 +7942,7 @@
           <a:lstStyle/>
           <a:p>
             <a:r>
-              <a:rPr lang="zh-TW" altLang="en-US" sz="5400" b="1" dirty="0" smtClean="0">
+              <a:rPr lang="zh-TW" altLang="en-US" sz="5400" b="1" dirty="0">
                 <a:effectLst>
                   <a:outerShdw blurRad="38100" dist="38100" dir="2700000" algn="tl">
                     <a:srgbClr val="000000">
@@ -8257,15 +7953,6 @@
               </a:rPr>
               <a:t>分工</a:t>
             </a:r>
-            <a:endParaRPr lang="zh-TW" altLang="en-US" sz="5400" b="1" dirty="0">
-              <a:effectLst>
-                <a:outerShdw blurRad="38100" dist="38100" dir="2700000" algn="tl">
-                  <a:srgbClr val="000000">
-                    <a:alpha val="43137"/>
-                  </a:srgbClr>
-                </a:outerShdw>
-              </a:effectLst>
-            </a:endParaRPr>
           </a:p>
         </p:txBody>
       </p:sp>
@@ -8279,7 +7966,7 @@
             <p:ph idx="1"/>
             <p:extLst>
               <p:ext uri="{D42A27DB-BD31-4B8C-83A1-F6EECF244321}">
-                <p14:modId xmlns:p14="http://schemas.microsoft.com/office/powerpoint/2010/main" val="3282075486"/>
+                <p14:modId xmlns:p14="http://schemas.microsoft.com/office/powerpoint/2010/main" val="4016050872"/>
               </p:ext>
             </p:extLst>
           </p:nvPr>
@@ -8318,7 +8005,7 @@
                     <a:p>
                       <a:pPr algn="ctr"/>
                       <a:r>
-                        <a:rPr lang="zh-TW" altLang="en-US" b="1" dirty="0" smtClean="0">
+                        <a:rPr lang="zh-TW" altLang="en-US" b="1" dirty="0">
                           <a:effectLst>
                             <a:outerShdw blurRad="38100" dist="38100" dir="2700000" algn="tl">
                               <a:srgbClr val="000000">
@@ -8329,15 +8016,6 @@
                         </a:rPr>
                         <a:t>項目</a:t>
                       </a:r>
-                      <a:endParaRPr lang="zh-TW" altLang="en-US" b="1" dirty="0">
-                        <a:effectLst>
-                          <a:outerShdw blurRad="38100" dist="38100" dir="2700000" algn="tl">
-                            <a:srgbClr val="000000">
-                              <a:alpha val="43137"/>
-                            </a:srgbClr>
-                          </a:outerShdw>
-                        </a:effectLst>
-                      </a:endParaRPr>
                     </a:p>
                   </a:txBody>
                   <a:tcPr/>
@@ -8349,7 +8027,7 @@
                     <a:p>
                       <a:pPr algn="ctr"/>
                       <a:r>
-                        <a:rPr lang="zh-TW" altLang="en-US" b="1" dirty="0" smtClean="0">
+                        <a:rPr lang="zh-TW" altLang="en-US" b="1" dirty="0">
                           <a:effectLst>
                             <a:outerShdw blurRad="38100" dist="38100" dir="2700000" algn="tl">
                               <a:srgbClr val="000000">
@@ -8360,15 +8038,6 @@
                         </a:rPr>
                         <a:t>負責人</a:t>
                       </a:r>
-                      <a:endParaRPr lang="zh-TW" altLang="en-US" b="1" dirty="0">
-                        <a:effectLst>
-                          <a:outerShdw blurRad="38100" dist="38100" dir="2700000" algn="tl">
-                            <a:srgbClr val="000000">
-                              <a:alpha val="43137"/>
-                            </a:srgbClr>
-                          </a:outerShdw>
-                        </a:effectLst>
-                      </a:endParaRPr>
                     </a:p>
                   </a:txBody>
                   <a:tcPr/>
@@ -8387,7 +8056,7 @@
                     <a:p>
                       <a:pPr algn="ctr"/>
                       <a:r>
-                        <a:rPr lang="zh-TW" altLang="en-US" b="1" dirty="0" smtClean="0">
+                        <a:rPr lang="zh-TW" altLang="en-US" b="1" dirty="0">
                           <a:effectLst>
                             <a:outerShdw blurRad="38100" dist="38100" dir="2700000" algn="tl">
                               <a:srgbClr val="000000">
@@ -8409,7 +8078,7 @@
                     <a:p>
                       <a:pPr algn="ctr"/>
                       <a:r>
-                        <a:rPr lang="zh-TW" altLang="en-US" b="1" dirty="0" smtClean="0">
+                        <a:rPr lang="zh-TW" altLang="en-US" b="1" dirty="0">
                           <a:effectLst>
                             <a:outerShdw blurRad="38100" dist="38100" dir="2700000" algn="tl">
                               <a:srgbClr val="000000">
@@ -8420,15 +8089,6 @@
                         </a:rPr>
                         <a:t>何寬宥</a:t>
                       </a:r>
-                      <a:endParaRPr lang="zh-TW" altLang="en-US" b="1" dirty="0">
-                        <a:effectLst>
-                          <a:outerShdw blurRad="38100" dist="38100" dir="2700000" algn="tl">
-                            <a:srgbClr val="000000">
-                              <a:alpha val="43137"/>
-                            </a:srgbClr>
-                          </a:outerShdw>
-                        </a:effectLst>
-                      </a:endParaRPr>
                     </a:p>
                   </a:txBody>
                   <a:tcPr/>
@@ -8447,7 +8107,7 @@
                     <a:p>
                       <a:pPr algn="ctr"/>
                       <a:r>
-                        <a:rPr lang="zh-TW" altLang="en-US" b="1" dirty="0" smtClean="0">
+                        <a:rPr lang="zh-TW" altLang="en-US" b="1" dirty="0">
                           <a:effectLst>
                             <a:outerShdw blurRad="38100" dist="38100" dir="2700000" algn="tl">
                               <a:srgbClr val="000000">
@@ -8469,7 +8129,7 @@
                     <a:p>
                       <a:pPr algn="ctr"/>
                       <a:r>
-                        <a:rPr lang="zh-TW" altLang="en-US" b="1" dirty="0" smtClean="0">
+                        <a:rPr lang="zh-TW" altLang="en-US" b="1" dirty="0">
                           <a:effectLst>
                             <a:outerShdw blurRad="38100" dist="38100" dir="2700000" algn="tl">
                               <a:srgbClr val="000000">
@@ -8480,15 +8140,6 @@
                         </a:rPr>
                         <a:t>何寬宥</a:t>
                       </a:r>
-                      <a:endParaRPr lang="zh-TW" altLang="en-US" b="1" dirty="0">
-                        <a:effectLst>
-                          <a:outerShdw blurRad="38100" dist="38100" dir="2700000" algn="tl">
-                            <a:srgbClr val="000000">
-                              <a:alpha val="43137"/>
-                            </a:srgbClr>
-                          </a:outerShdw>
-                        </a:effectLst>
-                      </a:endParaRPr>
                     </a:p>
                   </a:txBody>
                   <a:tcPr/>
@@ -8507,7 +8158,7 @@
                     <a:p>
                       <a:pPr algn="ctr"/>
                       <a:r>
-                        <a:rPr lang="en-US" altLang="zh-TW" b="1" dirty="0" smtClean="0">
+                        <a:rPr lang="en-US" altLang="zh-TW" b="1" dirty="0">
                           <a:effectLst>
                             <a:outerShdw blurRad="38100" dist="38100" dir="2700000" algn="tl">
                               <a:srgbClr val="000000">
@@ -8519,7 +8170,7 @@
                         <a:t>UI</a:t>
                       </a:r>
                       <a:r>
-                        <a:rPr lang="zh-TW" altLang="en-US" b="1" dirty="0" smtClean="0">
+                        <a:rPr lang="zh-TW" altLang="en-US" b="1" dirty="0">
                           <a:effectLst>
                             <a:outerShdw blurRad="38100" dist="38100" dir="2700000" algn="tl">
                               <a:srgbClr val="000000">
@@ -8530,15 +8181,6 @@
                         </a:rPr>
                         <a:t>設計</a:t>
                       </a:r>
-                      <a:endParaRPr lang="zh-TW" altLang="en-US" b="1" dirty="0">
-                        <a:effectLst>
-                          <a:outerShdw blurRad="38100" dist="38100" dir="2700000" algn="tl">
-                            <a:srgbClr val="000000">
-                              <a:alpha val="43137"/>
-                            </a:srgbClr>
-                          </a:outerShdw>
-                        </a:effectLst>
-                      </a:endParaRPr>
                     </a:p>
                   </a:txBody>
                   <a:tcPr/>
@@ -8550,7 +8192,7 @@
                     <a:p>
                       <a:pPr algn="ctr"/>
                       <a:r>
-                        <a:rPr lang="zh-TW" altLang="en-US" b="1" dirty="0" smtClean="0">
+                        <a:rPr lang="zh-TW" altLang="en-US" b="1" dirty="0">
                           <a:effectLst>
                             <a:outerShdw blurRad="38100" dist="38100" dir="2700000" algn="tl">
                               <a:srgbClr val="000000">
@@ -8559,7 +8201,19 @@
                             </a:outerShdw>
                           </a:effectLst>
                         </a:rPr>
-                        <a:t>何寬宥 謝宇恆</a:t>
+                        <a:t>何</a:t>
+                      </a:r>
+                      <a:r>
+                        <a:rPr lang="zh-TW" altLang="en-US" b="1">
+                          <a:effectLst>
+                            <a:outerShdw blurRad="38100" dist="38100" dir="2700000" algn="tl">
+                              <a:srgbClr val="000000">
+                                <a:alpha val="43137"/>
+                              </a:srgbClr>
+                            </a:outerShdw>
+                          </a:effectLst>
+                        </a:rPr>
+                        <a:t>寬宥</a:t>
                       </a:r>
                       <a:endParaRPr lang="zh-TW" altLang="en-US" b="1" dirty="0">
                         <a:effectLst>
@@ -8588,7 +8242,7 @@
                     <a:p>
                       <a:pPr algn="ctr"/>
                       <a:r>
-                        <a:rPr lang="zh-TW" altLang="en-US" b="1" dirty="0" smtClean="0">
+                        <a:rPr lang="zh-TW" altLang="en-US" b="1" dirty="0">
                           <a:effectLst>
                             <a:outerShdw blurRad="38100" dist="38100" dir="2700000" algn="tl">
                               <a:srgbClr val="000000">
@@ -8610,7 +8264,7 @@
                     <a:p>
                       <a:pPr algn="ctr"/>
                       <a:r>
-                        <a:rPr lang="zh-TW" altLang="en-US" b="1" dirty="0" smtClean="0">
+                        <a:rPr lang="zh-TW" altLang="en-US" b="1" dirty="0">
                           <a:effectLst>
                             <a:outerShdw blurRad="38100" dist="38100" dir="2700000" algn="tl">
                               <a:srgbClr val="000000">
@@ -8621,15 +8275,6 @@
                         </a:rPr>
                         <a:t>何寬宥 謝宇恆</a:t>
                       </a:r>
-                      <a:endParaRPr lang="zh-TW" altLang="en-US" b="1" dirty="0">
-                        <a:effectLst>
-                          <a:outerShdw blurRad="38100" dist="38100" dir="2700000" algn="tl">
-                            <a:srgbClr val="000000">
-                              <a:alpha val="43137"/>
-                            </a:srgbClr>
-                          </a:outerShdw>
-                        </a:effectLst>
-                      </a:endParaRPr>
                     </a:p>
                   </a:txBody>
                   <a:tcPr/>
@@ -8664,7 +8309,7 @@
                         <a:defRPr/>
                       </a:pPr>
                       <a:r>
-                        <a:rPr lang="zh-TW" altLang="en-US" b="1" dirty="0" smtClean="0">
+                        <a:rPr lang="zh-TW" altLang="en-US" b="1" dirty="0">
                           <a:effectLst>
                             <a:outerShdw blurRad="38100" dist="38100" dir="2700000" algn="tl">
                               <a:srgbClr val="000000">
@@ -8686,7 +8331,7 @@
                     <a:p>
                       <a:pPr algn="ctr"/>
                       <a:r>
-                        <a:rPr lang="zh-TW" altLang="en-US" b="1" dirty="0" smtClean="0">
+                        <a:rPr lang="zh-TW" altLang="en-US" b="1" dirty="0">
                           <a:effectLst>
                             <a:outerShdw blurRad="38100" dist="38100" dir="2700000" algn="tl">
                               <a:srgbClr val="000000">
@@ -8697,15 +8342,6 @@
                         </a:rPr>
                         <a:t>何寬宥 謝宇恆</a:t>
                       </a:r>
-                      <a:endParaRPr lang="zh-TW" altLang="en-US" b="1" dirty="0">
-                        <a:effectLst>
-                          <a:outerShdw blurRad="38100" dist="38100" dir="2700000" algn="tl">
-                            <a:srgbClr val="000000">
-                              <a:alpha val="43137"/>
-                            </a:srgbClr>
-                          </a:outerShdw>
-                        </a:effectLst>
-                      </a:endParaRPr>
                     </a:p>
                   </a:txBody>
                   <a:tcPr/>
@@ -8724,7 +8360,7 @@
                     <a:p>
                       <a:pPr algn="ctr"/>
                       <a:r>
-                        <a:rPr lang="zh-TW" altLang="en-US" b="1" dirty="0" smtClean="0">
+                        <a:rPr lang="zh-TW" altLang="en-US" b="1" dirty="0">
                           <a:effectLst>
                             <a:outerShdw blurRad="38100" dist="38100" dir="2700000" algn="tl">
                               <a:srgbClr val="000000">
@@ -8735,15 +8371,6 @@
                         </a:rPr>
                         <a:t>報告</a:t>
                       </a:r>
-                      <a:endParaRPr lang="zh-TW" altLang="en-US" b="1" dirty="0">
-                        <a:effectLst>
-                          <a:outerShdw blurRad="38100" dist="38100" dir="2700000" algn="tl">
-                            <a:srgbClr val="000000">
-                              <a:alpha val="43137"/>
-                            </a:srgbClr>
-                          </a:outerShdw>
-                        </a:effectLst>
-                      </a:endParaRPr>
                     </a:p>
                   </a:txBody>
                   <a:tcPr/>
@@ -8755,7 +8382,7 @@
                     <a:p>
                       <a:pPr algn="ctr"/>
                       <a:r>
-                        <a:rPr lang="zh-TW" altLang="en-US" b="1" dirty="0" smtClean="0">
+                        <a:rPr lang="zh-TW" altLang="en-US" b="1" dirty="0">
                           <a:effectLst>
                             <a:outerShdw blurRad="38100" dist="38100" dir="2700000" algn="tl">
                               <a:srgbClr val="000000">
@@ -8766,15 +8393,6 @@
                         </a:rPr>
                         <a:t>何寬宥 謝宇恆</a:t>
                       </a:r>
-                      <a:endParaRPr lang="zh-TW" altLang="en-US" b="1" dirty="0">
-                        <a:effectLst>
-                          <a:outerShdw blurRad="38100" dist="38100" dir="2700000" algn="tl">
-                            <a:srgbClr val="000000">
-                              <a:alpha val="43137"/>
-                            </a:srgbClr>
-                          </a:outerShdw>
-                        </a:effectLst>
-                      </a:endParaRPr>
                     </a:p>
                   </a:txBody>
                   <a:tcPr/>

--- a/ppt/06-00557019-00557006-戰車模擬器-期末報告.pptx
+++ b/ppt/06-00557019-00557006-戰車模擬器-期末報告.pptx
@@ -451,7 +451,7 @@
           <a:p>
             <a:fld id="{EB8C0491-3092-4ADB-83E9-5E4447201080}" type="datetimeFigureOut">
               <a:rPr lang="zh-TW" altLang="en-US" smtClean="0"/>
-              <a:t>2019/9/11</a:t>
+              <a:t>2019/9/19</a:t>
             </a:fld>
             <a:endParaRPr lang="zh-TW" altLang="en-US"/>
           </a:p>
@@ -775,7 +775,7 @@
           <a:p>
             <a:fld id="{EB8C0491-3092-4ADB-83E9-5E4447201080}" type="datetimeFigureOut">
               <a:rPr lang="zh-TW" altLang="en-US" smtClean="0"/>
-              <a:t>2019/9/11</a:t>
+              <a:t>2019/9/19</a:t>
             </a:fld>
             <a:endParaRPr lang="zh-TW" altLang="en-US"/>
           </a:p>
@@ -1023,7 +1023,7 @@
           <a:p>
             <a:fld id="{EB8C0491-3092-4ADB-83E9-5E4447201080}" type="datetimeFigureOut">
               <a:rPr lang="zh-TW" altLang="en-US" smtClean="0"/>
-              <a:t>2019/9/11</a:t>
+              <a:t>2019/9/19</a:t>
             </a:fld>
             <a:endParaRPr lang="zh-TW" altLang="en-US"/>
           </a:p>
@@ -1362,7 +1362,7 @@
           <a:p>
             <a:fld id="{EB8C0491-3092-4ADB-83E9-5E4447201080}" type="datetimeFigureOut">
               <a:rPr lang="zh-TW" altLang="en-US" smtClean="0"/>
-              <a:t>2019/9/11</a:t>
+              <a:t>2019/9/19</a:t>
             </a:fld>
             <a:endParaRPr lang="zh-TW" altLang="en-US"/>
           </a:p>
@@ -1709,7 +1709,7 @@
           <a:p>
             <a:fld id="{EB8C0491-3092-4ADB-83E9-5E4447201080}" type="datetimeFigureOut">
               <a:rPr lang="zh-TW" altLang="en-US" smtClean="0"/>
-              <a:t>2019/9/11</a:t>
+              <a:t>2019/9/19</a:t>
             </a:fld>
             <a:endParaRPr lang="zh-TW" altLang="en-US"/>
           </a:p>
@@ -2083,7 +2083,7 @@
           <a:p>
             <a:fld id="{EB8C0491-3092-4ADB-83E9-5E4447201080}" type="datetimeFigureOut">
               <a:rPr lang="zh-TW" altLang="en-US" smtClean="0"/>
-              <a:t>2019/9/11</a:t>
+              <a:t>2019/9/19</a:t>
             </a:fld>
             <a:endParaRPr lang="zh-TW" altLang="en-US"/>
           </a:p>
@@ -2553,7 +2553,7 @@
           <a:p>
             <a:fld id="{EB8C0491-3092-4ADB-83E9-5E4447201080}" type="datetimeFigureOut">
               <a:rPr lang="zh-TW" altLang="en-US" smtClean="0"/>
-              <a:t>2019/9/11</a:t>
+              <a:t>2019/9/19</a:t>
             </a:fld>
             <a:endParaRPr lang="zh-TW" altLang="en-US"/>
           </a:p>
@@ -2758,7 +2758,7 @@
           <a:p>
             <a:fld id="{EB8C0491-3092-4ADB-83E9-5E4447201080}" type="datetimeFigureOut">
               <a:rPr lang="zh-TW" altLang="en-US" smtClean="0"/>
-              <a:t>2019/9/11</a:t>
+              <a:t>2019/9/19</a:t>
             </a:fld>
             <a:endParaRPr lang="zh-TW" altLang="en-US"/>
           </a:p>
@@ -2969,7 +2969,7 @@
           <a:p>
             <a:fld id="{EB8C0491-3092-4ADB-83E9-5E4447201080}" type="datetimeFigureOut">
               <a:rPr lang="zh-TW" altLang="en-US" smtClean="0"/>
-              <a:t>2019/9/11</a:t>
+              <a:t>2019/9/19</a:t>
             </a:fld>
             <a:endParaRPr lang="zh-TW" altLang="en-US"/>
           </a:p>
@@ -3201,7 +3201,7 @@
           <a:p>
             <a:fld id="{EB8C0491-3092-4ADB-83E9-5E4447201080}" type="datetimeFigureOut">
               <a:rPr lang="zh-TW" altLang="en-US" smtClean="0"/>
-              <a:t>2019/9/11</a:t>
+              <a:t>2019/9/19</a:t>
             </a:fld>
             <a:endParaRPr lang="zh-TW" altLang="en-US"/>
           </a:p>
@@ -3449,7 +3449,7 @@
           <a:p>
             <a:fld id="{EB8C0491-3092-4ADB-83E9-5E4447201080}" type="datetimeFigureOut">
               <a:rPr lang="zh-TW" altLang="en-US" smtClean="0"/>
-              <a:t>2019/9/11</a:t>
+              <a:t>2019/9/19</a:t>
             </a:fld>
             <a:endParaRPr lang="zh-TW" altLang="en-US"/>
           </a:p>
@@ -3747,7 +3747,7 @@
           <a:p>
             <a:fld id="{EB8C0491-3092-4ADB-83E9-5E4447201080}" type="datetimeFigureOut">
               <a:rPr lang="zh-TW" altLang="en-US" smtClean="0"/>
-              <a:t>2019/9/11</a:t>
+              <a:t>2019/9/19</a:t>
             </a:fld>
             <a:endParaRPr lang="zh-TW" altLang="en-US"/>
           </a:p>
@@ -4141,7 +4141,7 @@
           <a:p>
             <a:fld id="{EB8C0491-3092-4ADB-83E9-5E4447201080}" type="datetimeFigureOut">
               <a:rPr lang="zh-TW" altLang="en-US" smtClean="0"/>
-              <a:t>2019/9/11</a:t>
+              <a:t>2019/9/19</a:t>
             </a:fld>
             <a:endParaRPr lang="zh-TW" altLang="en-US"/>
           </a:p>
@@ -4290,7 +4290,7 @@
           <a:p>
             <a:fld id="{EB8C0491-3092-4ADB-83E9-5E4447201080}" type="datetimeFigureOut">
               <a:rPr lang="zh-TW" altLang="en-US" smtClean="0"/>
-              <a:t>2019/9/11</a:t>
+              <a:t>2019/9/19</a:t>
             </a:fld>
             <a:endParaRPr lang="zh-TW" altLang="en-US"/>
           </a:p>
@@ -4416,7 +4416,7 @@
           <a:p>
             <a:fld id="{EB8C0491-3092-4ADB-83E9-5E4447201080}" type="datetimeFigureOut">
               <a:rPr lang="zh-TW" altLang="en-US" smtClean="0"/>
-              <a:t>2019/9/11</a:t>
+              <a:t>2019/9/19</a:t>
             </a:fld>
             <a:endParaRPr lang="zh-TW" altLang="en-US"/>
           </a:p>
@@ -4671,7 +4671,7 @@
           <a:p>
             <a:fld id="{EB8C0491-3092-4ADB-83E9-5E4447201080}" type="datetimeFigureOut">
               <a:rPr lang="zh-TW" altLang="en-US" smtClean="0"/>
-              <a:t>2019/9/11</a:t>
+              <a:t>2019/9/19</a:t>
             </a:fld>
             <a:endParaRPr lang="zh-TW" altLang="en-US"/>
           </a:p>
@@ -4986,7 +4986,7 @@
           <a:p>
             <a:fld id="{EB8C0491-3092-4ADB-83E9-5E4447201080}" type="datetimeFigureOut">
               <a:rPr lang="zh-TW" altLang="en-US" smtClean="0"/>
-              <a:t>2019/9/11</a:t>
+              <a:t>2019/9/19</a:t>
             </a:fld>
             <a:endParaRPr lang="zh-TW" altLang="en-US"/>
           </a:p>
@@ -5337,7 +5337,7 @@
           <a:p>
             <a:fld id="{EB8C0491-3092-4ADB-83E9-5E4447201080}" type="datetimeFigureOut">
               <a:rPr lang="zh-TW" altLang="en-US" smtClean="0"/>
-              <a:t>2019/9/11</a:t>
+              <a:t>2019/9/19</a:t>
             </a:fld>
             <a:endParaRPr lang="zh-TW" altLang="en-US"/>
           </a:p>
@@ -7966,14 +7966,14 @@
             <p:ph idx="1"/>
             <p:extLst>
               <p:ext uri="{D42A27DB-BD31-4B8C-83A1-F6EECF244321}">
-                <p14:modId xmlns:p14="http://schemas.microsoft.com/office/powerpoint/2010/main" val="4016050872"/>
+                <p14:modId xmlns:p14="http://schemas.microsoft.com/office/powerpoint/2010/main" val="1591181179"/>
               </p:ext>
             </p:extLst>
           </p:nvPr>
         </p:nvGraphicFramePr>
         <p:xfrm>
           <a:off x="2231736" y="2575936"/>
-          <a:ext cx="7728528" cy="2595880"/>
+          <a:ext cx="7728528" cy="2966720"/>
         </p:xfrm>
         <a:graphic>
           <a:graphicData uri="http://schemas.openxmlformats.org/drawingml/2006/table">
@@ -8273,7 +8273,7 @@
                             </a:outerShdw>
                           </a:effectLst>
                         </a:rPr>
-                        <a:t>何寬宥 謝宇恆</a:t>
+                        <a:t>何寬宥 </a:t>
                       </a:r>
                     </a:p>
                   </a:txBody>
@@ -8340,7 +8340,7 @@
                             </a:outerShdw>
                           </a:effectLst>
                         </a:rPr>
-                        <a:t>何寬宥 謝宇恆</a:t>
+                        <a:t>何寬宥 </a:t>
                       </a:r>
                     </a:p>
                   </a:txBody>
@@ -8391,7 +8391,79 @@
                             </a:outerShdw>
                           </a:effectLst>
                         </a:rPr>
-                        <a:t>何寬宥 謝宇恆</a:t>
+                        <a:t>何寬</a:t>
+                      </a:r>
+                      <a:r>
+                        <a:rPr lang="zh-TW" altLang="en-US" b="1">
+                          <a:effectLst>
+                            <a:outerShdw blurRad="38100" dist="38100" dir="2700000" algn="tl">
+                              <a:srgbClr val="000000">
+                                <a:alpha val="43137"/>
+                              </a:srgbClr>
+                            </a:outerShdw>
+                          </a:effectLst>
+                        </a:rPr>
+                        <a:t>宥 、 謝宇恆</a:t>
+                      </a:r>
+                      <a:endParaRPr lang="zh-TW" altLang="en-US" b="1" dirty="0">
+                        <a:effectLst>
+                          <a:outerShdw blurRad="38100" dist="38100" dir="2700000" algn="tl">
+                            <a:srgbClr val="000000">
+                              <a:alpha val="43137"/>
+                            </a:srgbClr>
+                          </a:outerShdw>
+                        </a:effectLst>
+                      </a:endParaRPr>
+                    </a:p>
+                  </a:txBody>
+                  <a:tcPr/>
+                </a:tc>
+                <a:extLst>
+                  <a:ext uri="{0D108BD9-81ED-4DB2-BD59-A6C34878D82A}">
+                    <a16:rowId xmlns:a16="http://schemas.microsoft.com/office/drawing/2014/main" val="3388543260"/>
+                  </a:ext>
+                </a:extLst>
+              </a:tr>
+              <a:tr h="370840">
+                <a:tc>
+                  <a:txBody>
+                    <a:bodyPr/>
+                    <a:lstStyle/>
+                    <a:p>
+                      <a:pPr algn="ctr"/>
+                      <a:r>
+                        <a:rPr lang="zh-TW" altLang="en-US" b="1" dirty="0">
+                          <a:effectLst>
+                            <a:outerShdw blurRad="38100" dist="38100" dir="2700000" algn="tl">
+                              <a:srgbClr val="000000">
+                                <a:alpha val="43137"/>
+                              </a:srgbClr>
+                            </a:outerShdw>
+                          </a:effectLst>
+                        </a:rPr>
+                        <a:t>報告撰寫</a:t>
+                      </a:r>
+                    </a:p>
+                  </a:txBody>
+                  <a:tcPr/>
+                </a:tc>
+                <a:tc>
+                  <a:txBody>
+                    <a:bodyPr/>
+                    <a:lstStyle/>
+                    <a:p>
+                      <a:pPr algn="ctr"/>
+                      <a:r>
+                        <a:rPr lang="zh-TW" altLang="en-US" b="1" dirty="0">
+                          <a:effectLst>
+                            <a:outerShdw blurRad="38100" dist="38100" dir="2700000" algn="tl">
+                              <a:srgbClr val="000000">
+                                <a:alpha val="43137"/>
+                              </a:srgbClr>
+                            </a:outerShdw>
+                          </a:effectLst>
+                        </a:rPr>
+                        <a:t>謝宇恆</a:t>
                       </a:r>
                     </a:p>
                   </a:txBody>
@@ -8399,7 +8471,7 @@
                 </a:tc>
                 <a:extLst>
                   <a:ext uri="{0D108BD9-81ED-4DB2-BD59-A6C34878D82A}">
-                    <a16:rowId xmlns:a16="http://schemas.microsoft.com/office/drawing/2014/main" val="3388543260"/>
+                    <a16:rowId xmlns:a16="http://schemas.microsoft.com/office/drawing/2014/main" val="1204760425"/>
                   </a:ext>
                 </a:extLst>
               </a:tr>
